--- a/Fullstack ppt.pptx
+++ b/Fullstack ppt.pptx
@@ -113,6 +113,11 @@
       </a:defRPr>
     </a:lvl9pPr>
   </p:defaultTextStyle>
+  <p:extLst>
+    <p:ext uri="{EFAFB233-063F-42B5-8137-9DF3F51BA10A}">
+      <p15:sldGuideLst xmlns:p15="http://schemas.microsoft.com/office/powerpoint/2012/main"/>
+    </p:ext>
+  </p:extLst>
 </p:presentation>
 </file>
 
@@ -265,7 +270,7 @@
           <a:p>
             <a:fld id="{071CA044-F6E2-42F3-8DC3-D09589A17459}" type="datetimeFigureOut">
               <a:rPr lang="en-IN" smtClean="0"/>
-              <a:t>06-04-2025</a:t>
+              <a:t>15-04-2025</a:t>
             </a:fld>
             <a:endParaRPr lang="en-IN"/>
           </a:p>
@@ -465,7 +470,7 @@
           <a:p>
             <a:fld id="{071CA044-F6E2-42F3-8DC3-D09589A17459}" type="datetimeFigureOut">
               <a:rPr lang="en-IN" smtClean="0"/>
-              <a:t>06-04-2025</a:t>
+              <a:t>15-04-2025</a:t>
             </a:fld>
             <a:endParaRPr lang="en-IN"/>
           </a:p>
@@ -675,7 +680,7 @@
           <a:p>
             <a:fld id="{071CA044-F6E2-42F3-8DC3-D09589A17459}" type="datetimeFigureOut">
               <a:rPr lang="en-IN" smtClean="0"/>
-              <a:t>06-04-2025</a:t>
+              <a:t>15-04-2025</a:t>
             </a:fld>
             <a:endParaRPr lang="en-IN"/>
           </a:p>
@@ -875,7 +880,7 @@
           <a:p>
             <a:fld id="{071CA044-F6E2-42F3-8DC3-D09589A17459}" type="datetimeFigureOut">
               <a:rPr lang="en-IN" smtClean="0"/>
-              <a:t>06-04-2025</a:t>
+              <a:t>15-04-2025</a:t>
             </a:fld>
             <a:endParaRPr lang="en-IN"/>
           </a:p>
@@ -1151,7 +1156,7 @@
           <a:p>
             <a:fld id="{071CA044-F6E2-42F3-8DC3-D09589A17459}" type="datetimeFigureOut">
               <a:rPr lang="en-IN" smtClean="0"/>
-              <a:t>06-04-2025</a:t>
+              <a:t>15-04-2025</a:t>
             </a:fld>
             <a:endParaRPr lang="en-IN"/>
           </a:p>
@@ -1419,7 +1424,7 @@
           <a:p>
             <a:fld id="{071CA044-F6E2-42F3-8DC3-D09589A17459}" type="datetimeFigureOut">
               <a:rPr lang="en-IN" smtClean="0"/>
-              <a:t>06-04-2025</a:t>
+              <a:t>15-04-2025</a:t>
             </a:fld>
             <a:endParaRPr lang="en-IN"/>
           </a:p>
@@ -1834,7 +1839,7 @@
           <a:p>
             <a:fld id="{071CA044-F6E2-42F3-8DC3-D09589A17459}" type="datetimeFigureOut">
               <a:rPr lang="en-IN" smtClean="0"/>
-              <a:t>06-04-2025</a:t>
+              <a:t>15-04-2025</a:t>
             </a:fld>
             <a:endParaRPr lang="en-IN"/>
           </a:p>
@@ -1976,7 +1981,7 @@
           <a:p>
             <a:fld id="{071CA044-F6E2-42F3-8DC3-D09589A17459}" type="datetimeFigureOut">
               <a:rPr lang="en-IN" smtClean="0"/>
-              <a:t>06-04-2025</a:t>
+              <a:t>15-04-2025</a:t>
             </a:fld>
             <a:endParaRPr lang="en-IN"/>
           </a:p>
@@ -2089,7 +2094,7 @@
           <a:p>
             <a:fld id="{071CA044-F6E2-42F3-8DC3-D09589A17459}" type="datetimeFigureOut">
               <a:rPr lang="en-IN" smtClean="0"/>
-              <a:t>06-04-2025</a:t>
+              <a:t>15-04-2025</a:t>
             </a:fld>
             <a:endParaRPr lang="en-IN"/>
           </a:p>
@@ -2402,7 +2407,7 @@
           <a:p>
             <a:fld id="{071CA044-F6E2-42F3-8DC3-D09589A17459}" type="datetimeFigureOut">
               <a:rPr lang="en-IN" smtClean="0"/>
-              <a:t>06-04-2025</a:t>
+              <a:t>15-04-2025</a:t>
             </a:fld>
             <a:endParaRPr lang="en-IN"/>
           </a:p>
@@ -2691,7 +2696,7 @@
           <a:p>
             <a:fld id="{071CA044-F6E2-42F3-8DC3-D09589A17459}" type="datetimeFigureOut">
               <a:rPr lang="en-IN" smtClean="0"/>
-              <a:t>06-04-2025</a:t>
+              <a:t>15-04-2025</a:t>
             </a:fld>
             <a:endParaRPr lang="en-IN"/>
           </a:p>
@@ -2937,7 +2942,7 @@
           <a:p>
             <a:fld id="{071CA044-F6E2-42F3-8DC3-D09589A17459}" type="datetimeFigureOut">
               <a:rPr lang="en-IN" smtClean="0"/>
-              <a:t>06-04-2025</a:t>
+              <a:t>15-04-2025</a:t>
             </a:fld>
             <a:endParaRPr lang="en-IN"/>
           </a:p>
@@ -3424,6 +3429,408 @@
           <a:chExt cx="0" cy="0"/>
         </a:xfrm>
       </p:grpSpPr>
+      <p:pic>
+        <p:nvPicPr>
+          <p:cNvPr id="3" name="Picture 2">
+            <a:extLst>
+              <a:ext uri="{FF2B5EF4-FFF2-40B4-BE49-F238E27FC236}">
+                <a16:creationId xmlns:a16="http://schemas.microsoft.com/office/drawing/2014/main" id="{B6627C03-9189-D69E-32EB-75E1C2A8A1CD}"/>
+              </a:ext>
+            </a:extLst>
+          </p:cNvPr>
+          <p:cNvPicPr>
+            <a:picLocks noChangeAspect="1"/>
+          </p:cNvPicPr>
+          <p:nvPr/>
+        </p:nvPicPr>
+        <p:blipFill>
+          <a:blip r:embed="rId2"/>
+          <a:stretch>
+            <a:fillRect/>
+          </a:stretch>
+        </p:blipFill>
+        <p:spPr>
+          <a:xfrm>
+            <a:off x="671999" y="576741"/>
+            <a:ext cx="2997154" cy="5156548"/>
+          </a:xfrm>
+          <a:prstGeom prst="rect">
+            <a:avLst/>
+          </a:prstGeom>
+        </p:spPr>
+      </p:pic>
+      <p:cxnSp>
+        <p:nvCxnSpPr>
+          <p:cNvPr id="5" name="Straight Arrow Connector 4">
+            <a:extLst>
+              <a:ext uri="{FF2B5EF4-FFF2-40B4-BE49-F238E27FC236}">
+                <a16:creationId xmlns:a16="http://schemas.microsoft.com/office/drawing/2014/main" id="{CAA32E47-A699-0233-047F-153F85A5193B}"/>
+              </a:ext>
+            </a:extLst>
+          </p:cNvPr>
+          <p:cNvCxnSpPr>
+            <a:cxnSpLocks/>
+          </p:cNvCxnSpPr>
+          <p:nvPr/>
+        </p:nvCxnSpPr>
+        <p:spPr>
+          <a:xfrm>
+            <a:off x="3346704" y="1028587"/>
+            <a:ext cx="1417320" cy="0"/>
+          </a:xfrm>
+          <a:prstGeom prst="straightConnector1">
+            <a:avLst/>
+          </a:prstGeom>
+          <a:ln>
+            <a:solidFill>
+              <a:schemeClr val="bg2">
+                <a:lumMod val="90000"/>
+              </a:schemeClr>
+            </a:solidFill>
+            <a:tailEnd type="triangle"/>
+          </a:ln>
+        </p:spPr>
+        <p:style>
+          <a:lnRef idx="1">
+            <a:schemeClr val="accent1"/>
+          </a:lnRef>
+          <a:fillRef idx="0">
+            <a:schemeClr val="accent1"/>
+          </a:fillRef>
+          <a:effectRef idx="0">
+            <a:schemeClr val="accent1"/>
+          </a:effectRef>
+          <a:fontRef idx="minor">
+            <a:schemeClr val="tx1"/>
+          </a:fontRef>
+        </p:style>
+      </p:cxnSp>
+      <p:sp>
+        <p:nvSpPr>
+          <p:cNvPr id="6" name="TextBox 5">
+            <a:extLst>
+              <a:ext uri="{FF2B5EF4-FFF2-40B4-BE49-F238E27FC236}">
+                <a16:creationId xmlns:a16="http://schemas.microsoft.com/office/drawing/2014/main" id="{1DB7C65C-608B-75B2-CECD-88767146C4C1}"/>
+              </a:ext>
+            </a:extLst>
+          </p:cNvPr>
+          <p:cNvSpPr txBox="1"/>
+          <p:nvPr/>
+        </p:nvSpPr>
+        <p:spPr>
+          <a:xfrm>
+            <a:off x="4764024" y="859310"/>
+            <a:ext cx="1078992" cy="338554"/>
+          </a:xfrm>
+          <a:prstGeom prst="rect">
+            <a:avLst/>
+          </a:prstGeom>
+          <a:noFill/>
+        </p:spPr>
+        <p:txBody>
+          <a:bodyPr wrap="square" rtlCol="0">
+            <a:spAutoFit/>
+          </a:bodyPr>
+          <a:lstStyle/>
+          <a:p>
+            <a:r>
+              <a:rPr lang="en-US" sz="1600" dirty="0">
+                <a:solidFill>
+                  <a:schemeClr val="bg1"/>
+                </a:solidFill>
+              </a:rPr>
+              <a:t>Flow lines</a:t>
+            </a:r>
+            <a:endParaRPr lang="en-IN" sz="1600" dirty="0">
+              <a:solidFill>
+                <a:schemeClr val="bg1"/>
+              </a:solidFill>
+            </a:endParaRPr>
+          </a:p>
+        </p:txBody>
+      </p:sp>
+      <p:sp>
+        <p:nvSpPr>
+          <p:cNvPr id="11" name="Rectangle 10">
+            <a:extLst>
+              <a:ext uri="{FF2B5EF4-FFF2-40B4-BE49-F238E27FC236}">
+                <a16:creationId xmlns:a16="http://schemas.microsoft.com/office/drawing/2014/main" id="{1245153A-FAF6-1C0B-1527-D5427498900F}"/>
+              </a:ext>
+            </a:extLst>
+          </p:cNvPr>
+          <p:cNvSpPr/>
+          <p:nvPr/>
+        </p:nvSpPr>
+        <p:spPr>
+          <a:xfrm>
+            <a:off x="2112264" y="2633472"/>
+            <a:ext cx="374904" cy="1225296"/>
+          </a:xfrm>
+          <a:prstGeom prst="rect">
+            <a:avLst/>
+          </a:prstGeom>
+          <a:solidFill>
+            <a:schemeClr val="accent1">
+              <a:lumMod val="40000"/>
+              <a:lumOff val="60000"/>
+            </a:schemeClr>
+          </a:solidFill>
+          <a:effectLst>
+            <a:glow rad="63500">
+              <a:schemeClr val="accent4">
+                <a:satMod val="175000"/>
+                <a:alpha val="40000"/>
+              </a:schemeClr>
+            </a:glow>
+          </a:effectLst>
+        </p:spPr>
+        <p:style>
+          <a:lnRef idx="2">
+            <a:schemeClr val="accent1">
+              <a:shade val="15000"/>
+            </a:schemeClr>
+          </a:lnRef>
+          <a:fillRef idx="1">
+            <a:schemeClr val="accent1"/>
+          </a:fillRef>
+          <a:effectRef idx="0">
+            <a:schemeClr val="accent1"/>
+          </a:effectRef>
+          <a:fontRef idx="minor">
+            <a:schemeClr val="lt1"/>
+          </a:fontRef>
+        </p:style>
+        <p:txBody>
+          <a:bodyPr rtlCol="0" anchor="ctr"/>
+          <a:lstStyle/>
+          <a:p>
+            <a:pPr algn="ctr"/>
+            <a:endParaRPr lang="en-IN"/>
+          </a:p>
+        </p:txBody>
+      </p:sp>
+      <p:cxnSp>
+        <p:nvCxnSpPr>
+          <p:cNvPr id="12" name="Straight Arrow Connector 11">
+            <a:extLst>
+              <a:ext uri="{FF2B5EF4-FFF2-40B4-BE49-F238E27FC236}">
+                <a16:creationId xmlns:a16="http://schemas.microsoft.com/office/drawing/2014/main" id="{F6903302-99D8-9A9B-86EE-D19602429D21}"/>
+              </a:ext>
+            </a:extLst>
+          </p:cNvPr>
+          <p:cNvCxnSpPr>
+            <a:cxnSpLocks/>
+          </p:cNvCxnSpPr>
+          <p:nvPr/>
+        </p:nvCxnSpPr>
+        <p:spPr>
+          <a:xfrm flipV="1">
+            <a:off x="2112264" y="3210954"/>
+            <a:ext cx="2569464" cy="1"/>
+          </a:xfrm>
+          <a:prstGeom prst="straightConnector1">
+            <a:avLst/>
+          </a:prstGeom>
+          <a:ln>
+            <a:solidFill>
+              <a:schemeClr val="bg2">
+                <a:lumMod val="90000"/>
+              </a:schemeClr>
+            </a:solidFill>
+            <a:tailEnd type="triangle"/>
+          </a:ln>
+        </p:spPr>
+        <p:style>
+          <a:lnRef idx="1">
+            <a:schemeClr val="accent1"/>
+          </a:lnRef>
+          <a:fillRef idx="0">
+            <a:schemeClr val="accent1"/>
+          </a:fillRef>
+          <a:effectRef idx="0">
+            <a:schemeClr val="accent1"/>
+          </a:effectRef>
+          <a:fontRef idx="minor">
+            <a:schemeClr val="tx1"/>
+          </a:fontRef>
+        </p:style>
+      </p:cxnSp>
+      <p:sp>
+        <p:nvSpPr>
+          <p:cNvPr id="16" name="TextBox 15">
+            <a:extLst>
+              <a:ext uri="{FF2B5EF4-FFF2-40B4-BE49-F238E27FC236}">
+                <a16:creationId xmlns:a16="http://schemas.microsoft.com/office/drawing/2014/main" id="{E13CF942-6314-41F4-E352-E4822F04178E}"/>
+              </a:ext>
+            </a:extLst>
+          </p:cNvPr>
+          <p:cNvSpPr txBox="1"/>
+          <p:nvPr/>
+        </p:nvSpPr>
+        <p:spPr>
+          <a:xfrm>
+            <a:off x="4681728" y="3041677"/>
+            <a:ext cx="1078992" cy="338554"/>
+          </a:xfrm>
+          <a:prstGeom prst="rect">
+            <a:avLst/>
+          </a:prstGeom>
+          <a:noFill/>
+        </p:spPr>
+        <p:txBody>
+          <a:bodyPr wrap="square" rtlCol="0">
+            <a:spAutoFit/>
+          </a:bodyPr>
+          <a:lstStyle/>
+          <a:p>
+            <a:r>
+              <a:rPr lang="en-US" sz="1600" dirty="0">
+                <a:solidFill>
+                  <a:schemeClr val="bg1"/>
+                </a:solidFill>
+              </a:rPr>
+              <a:t>Module</a:t>
+            </a:r>
+            <a:endParaRPr lang="en-IN" sz="1600" dirty="0">
+              <a:solidFill>
+                <a:schemeClr val="bg1"/>
+              </a:solidFill>
+            </a:endParaRPr>
+          </a:p>
+        </p:txBody>
+      </p:sp>
+      <p:cxnSp>
+        <p:nvCxnSpPr>
+          <p:cNvPr id="17" name="Straight Arrow Connector 16">
+            <a:extLst>
+              <a:ext uri="{FF2B5EF4-FFF2-40B4-BE49-F238E27FC236}">
+                <a16:creationId xmlns:a16="http://schemas.microsoft.com/office/drawing/2014/main" id="{53CB5541-37FB-5E81-B1F1-7C2B693CDBB9}"/>
+              </a:ext>
+            </a:extLst>
+          </p:cNvPr>
+          <p:cNvCxnSpPr>
+            <a:cxnSpLocks/>
+          </p:cNvCxnSpPr>
+          <p:nvPr/>
+        </p:nvCxnSpPr>
+        <p:spPr>
+          <a:xfrm flipV="1">
+            <a:off x="2941001" y="1583766"/>
+            <a:ext cx="1832167" cy="22304"/>
+          </a:xfrm>
+          <a:prstGeom prst="straightConnector1">
+            <a:avLst/>
+          </a:prstGeom>
+          <a:ln>
+            <a:solidFill>
+              <a:schemeClr val="tx1"/>
+            </a:solidFill>
+            <a:tailEnd type="triangle"/>
+          </a:ln>
+        </p:spPr>
+        <p:style>
+          <a:lnRef idx="1">
+            <a:schemeClr val="accent1"/>
+          </a:lnRef>
+          <a:fillRef idx="0">
+            <a:schemeClr val="accent1"/>
+          </a:fillRef>
+          <a:effectRef idx="0">
+            <a:schemeClr val="accent1"/>
+          </a:effectRef>
+          <a:fontRef idx="minor">
+            <a:schemeClr val="tx1"/>
+          </a:fontRef>
+        </p:style>
+      </p:cxnSp>
+      <p:sp>
+        <p:nvSpPr>
+          <p:cNvPr id="19" name="TextBox 18">
+            <a:extLst>
+              <a:ext uri="{FF2B5EF4-FFF2-40B4-BE49-F238E27FC236}">
+                <a16:creationId xmlns:a16="http://schemas.microsoft.com/office/drawing/2014/main" id="{12177D35-8D5C-5A4D-1252-3A0C027E847C}"/>
+              </a:ext>
+            </a:extLst>
+          </p:cNvPr>
+          <p:cNvSpPr txBox="1"/>
+          <p:nvPr/>
+        </p:nvSpPr>
+        <p:spPr>
+          <a:xfrm>
+            <a:off x="4764024" y="1389888"/>
+            <a:ext cx="1331976" cy="338554"/>
+          </a:xfrm>
+          <a:prstGeom prst="rect">
+            <a:avLst/>
+          </a:prstGeom>
+          <a:noFill/>
+        </p:spPr>
+        <p:txBody>
+          <a:bodyPr wrap="square" rtlCol="0">
+            <a:spAutoFit/>
+          </a:bodyPr>
+          <a:lstStyle/>
+          <a:p>
+            <a:r>
+              <a:rPr lang="en-US" sz="1600" dirty="0">
+                <a:solidFill>
+                  <a:schemeClr val="bg1"/>
+                </a:solidFill>
+              </a:rPr>
+              <a:t>Vertical lines</a:t>
+            </a:r>
+            <a:endParaRPr lang="en-IN" sz="1600" dirty="0">
+              <a:solidFill>
+                <a:schemeClr val="bg1"/>
+              </a:solidFill>
+            </a:endParaRPr>
+          </a:p>
+        </p:txBody>
+      </p:sp>
+      <p:cxnSp>
+        <p:nvCxnSpPr>
+          <p:cNvPr id="20" name="Straight Arrow Connector 19">
+            <a:extLst>
+              <a:ext uri="{FF2B5EF4-FFF2-40B4-BE49-F238E27FC236}">
+                <a16:creationId xmlns:a16="http://schemas.microsoft.com/office/drawing/2014/main" id="{E43D5E5F-9346-D896-33B2-6F9658204E91}"/>
+              </a:ext>
+            </a:extLst>
+          </p:cNvPr>
+          <p:cNvCxnSpPr>
+            <a:cxnSpLocks/>
+          </p:cNvCxnSpPr>
+          <p:nvPr/>
+        </p:nvCxnSpPr>
+        <p:spPr>
+          <a:xfrm flipV="1">
+            <a:off x="3614928" y="1572614"/>
+            <a:ext cx="1158240" cy="22303"/>
+          </a:xfrm>
+          <a:prstGeom prst="straightConnector1">
+            <a:avLst/>
+          </a:prstGeom>
+          <a:ln>
+            <a:solidFill>
+              <a:schemeClr val="bg1"/>
+            </a:solidFill>
+            <a:tailEnd type="triangle"/>
+          </a:ln>
+        </p:spPr>
+        <p:style>
+          <a:lnRef idx="1">
+            <a:schemeClr val="accent1"/>
+          </a:lnRef>
+          <a:fillRef idx="0">
+            <a:schemeClr val="accent1"/>
+          </a:fillRef>
+          <a:effectRef idx="0">
+            <a:schemeClr val="accent1"/>
+          </a:effectRef>
+          <a:fontRef idx="minor">
+            <a:schemeClr val="tx1"/>
+          </a:fontRef>
+        </p:style>
+      </p:cxnSp>
     </p:spTree>
     <p:extLst>
       <p:ext uri="{BB962C8B-B14F-4D97-AF65-F5344CB8AC3E}">
@@ -3454,6 +3861,115 @@
           <a:chExt cx="0" cy="0"/>
         </a:xfrm>
       </p:grpSpPr>
+      <p:sp>
+        <p:nvSpPr>
+          <p:cNvPr id="2" name="Rectangle: Single Corner Snipped 1">
+            <a:extLst>
+              <a:ext uri="{FF2B5EF4-FFF2-40B4-BE49-F238E27FC236}">
+                <a16:creationId xmlns:a16="http://schemas.microsoft.com/office/drawing/2014/main" id="{F1406330-B5D7-8CF2-AFE4-3F9CFD7BFCF1}"/>
+              </a:ext>
+            </a:extLst>
+          </p:cNvPr>
+          <p:cNvSpPr/>
+          <p:nvPr/>
+        </p:nvSpPr>
+        <p:spPr>
+          <a:xfrm>
+            <a:off x="0" y="3822192"/>
+            <a:ext cx="12192000" cy="1088136"/>
+          </a:xfrm>
+          <a:prstGeom prst="snip1Rect">
+            <a:avLst/>
+          </a:prstGeom>
+          <a:solidFill>
+            <a:schemeClr val="bg1">
+              <a:lumMod val="65000"/>
+            </a:schemeClr>
+          </a:solidFill>
+          <a:ln>
+            <a:solidFill>
+              <a:schemeClr val="tx1">
+                <a:lumMod val="75000"/>
+                <a:lumOff val="25000"/>
+              </a:schemeClr>
+            </a:solidFill>
+          </a:ln>
+        </p:spPr>
+        <p:style>
+          <a:lnRef idx="2">
+            <a:schemeClr val="accent1">
+              <a:shade val="15000"/>
+            </a:schemeClr>
+          </a:lnRef>
+          <a:fillRef idx="1">
+            <a:schemeClr val="accent1"/>
+          </a:fillRef>
+          <a:effectRef idx="0">
+            <a:schemeClr val="accent1"/>
+          </a:effectRef>
+          <a:fontRef idx="minor">
+            <a:schemeClr val="lt1"/>
+          </a:fontRef>
+        </p:style>
+        <p:txBody>
+          <a:bodyPr rtlCol="0" anchor="ctr"/>
+          <a:lstStyle/>
+          <a:p>
+            <a:pPr algn="ctr"/>
+            <a:endParaRPr lang="en-IN"/>
+          </a:p>
+        </p:txBody>
+      </p:sp>
+      <p:sp>
+        <p:nvSpPr>
+          <p:cNvPr id="3" name="TextBox 2">
+            <a:extLst>
+              <a:ext uri="{FF2B5EF4-FFF2-40B4-BE49-F238E27FC236}">
+                <a16:creationId xmlns:a16="http://schemas.microsoft.com/office/drawing/2014/main" id="{EFD0FB4A-D1E5-0C4A-A6C0-CE2D3E2B6735}"/>
+              </a:ext>
+            </a:extLst>
+          </p:cNvPr>
+          <p:cNvSpPr txBox="1"/>
+          <p:nvPr/>
+        </p:nvSpPr>
+        <p:spPr>
+          <a:xfrm>
+            <a:off x="347472" y="2441448"/>
+            <a:ext cx="6382512" cy="1446550"/>
+          </a:xfrm>
+          <a:prstGeom prst="rect">
+            <a:avLst/>
+          </a:prstGeom>
+          <a:noFill/>
+        </p:spPr>
+        <p:txBody>
+          <a:bodyPr wrap="square" rtlCol="0">
+            <a:spAutoFit/>
+          </a:bodyPr>
+          <a:lstStyle/>
+          <a:p>
+            <a:r>
+              <a:rPr lang="en-US" sz="8800" dirty="0">
+                <a:solidFill>
+                  <a:schemeClr val="bg1">
+                    <a:lumMod val="95000"/>
+                  </a:schemeClr>
+                </a:solidFill>
+                <a:latin typeface="Agency FB" panose="020B0503020202020204" pitchFamily="34" charset="0"/>
+              </a:rPr>
+              <a:t>Basic Networking</a:t>
+            </a:r>
+            <a:endParaRPr lang="en-IN" sz="8800" dirty="0">
+              <a:solidFill>
+                <a:schemeClr val="bg1">
+                  <a:lumMod val="95000"/>
+                </a:schemeClr>
+              </a:solidFill>
+              <a:latin typeface="Agency FB" panose="020B0503020202020204" pitchFamily="34" charset="0"/>
+            </a:endParaRPr>
+          </a:p>
+        </p:txBody>
+      </p:sp>
     </p:spTree>
     <p:extLst>
       <p:ext uri="{BB962C8B-B14F-4D97-AF65-F5344CB8AC3E}">

--- a/Fullstack ppt.pptx
+++ b/Fullstack ppt.pptx
@@ -270,7 +270,7 @@
           <a:p>
             <a:fld id="{071CA044-F6E2-42F3-8DC3-D09589A17459}" type="datetimeFigureOut">
               <a:rPr lang="en-IN" smtClean="0"/>
-              <a:t>15-04-2025</a:t>
+              <a:t>19-04-2025</a:t>
             </a:fld>
             <a:endParaRPr lang="en-IN"/>
           </a:p>
@@ -470,7 +470,7 @@
           <a:p>
             <a:fld id="{071CA044-F6E2-42F3-8DC3-D09589A17459}" type="datetimeFigureOut">
               <a:rPr lang="en-IN" smtClean="0"/>
-              <a:t>15-04-2025</a:t>
+              <a:t>19-04-2025</a:t>
             </a:fld>
             <a:endParaRPr lang="en-IN"/>
           </a:p>
@@ -680,7 +680,7 @@
           <a:p>
             <a:fld id="{071CA044-F6E2-42F3-8DC3-D09589A17459}" type="datetimeFigureOut">
               <a:rPr lang="en-IN" smtClean="0"/>
-              <a:t>15-04-2025</a:t>
+              <a:t>19-04-2025</a:t>
             </a:fld>
             <a:endParaRPr lang="en-IN"/>
           </a:p>
@@ -880,7 +880,7 @@
           <a:p>
             <a:fld id="{071CA044-F6E2-42F3-8DC3-D09589A17459}" type="datetimeFigureOut">
               <a:rPr lang="en-IN" smtClean="0"/>
-              <a:t>15-04-2025</a:t>
+              <a:t>19-04-2025</a:t>
             </a:fld>
             <a:endParaRPr lang="en-IN"/>
           </a:p>
@@ -1156,7 +1156,7 @@
           <a:p>
             <a:fld id="{071CA044-F6E2-42F3-8DC3-D09589A17459}" type="datetimeFigureOut">
               <a:rPr lang="en-IN" smtClean="0"/>
-              <a:t>15-04-2025</a:t>
+              <a:t>19-04-2025</a:t>
             </a:fld>
             <a:endParaRPr lang="en-IN"/>
           </a:p>
@@ -1424,7 +1424,7 @@
           <a:p>
             <a:fld id="{071CA044-F6E2-42F3-8DC3-D09589A17459}" type="datetimeFigureOut">
               <a:rPr lang="en-IN" smtClean="0"/>
-              <a:t>15-04-2025</a:t>
+              <a:t>19-04-2025</a:t>
             </a:fld>
             <a:endParaRPr lang="en-IN"/>
           </a:p>
@@ -1839,7 +1839,7 @@
           <a:p>
             <a:fld id="{071CA044-F6E2-42F3-8DC3-D09589A17459}" type="datetimeFigureOut">
               <a:rPr lang="en-IN" smtClean="0"/>
-              <a:t>15-04-2025</a:t>
+              <a:t>19-04-2025</a:t>
             </a:fld>
             <a:endParaRPr lang="en-IN"/>
           </a:p>
@@ -1981,7 +1981,7 @@
           <a:p>
             <a:fld id="{071CA044-F6E2-42F3-8DC3-D09589A17459}" type="datetimeFigureOut">
               <a:rPr lang="en-IN" smtClean="0"/>
-              <a:t>15-04-2025</a:t>
+              <a:t>19-04-2025</a:t>
             </a:fld>
             <a:endParaRPr lang="en-IN"/>
           </a:p>
@@ -2094,7 +2094,7 @@
           <a:p>
             <a:fld id="{071CA044-F6E2-42F3-8DC3-D09589A17459}" type="datetimeFigureOut">
               <a:rPr lang="en-IN" smtClean="0"/>
-              <a:t>15-04-2025</a:t>
+              <a:t>19-04-2025</a:t>
             </a:fld>
             <a:endParaRPr lang="en-IN"/>
           </a:p>
@@ -2407,7 +2407,7 @@
           <a:p>
             <a:fld id="{071CA044-F6E2-42F3-8DC3-D09589A17459}" type="datetimeFigureOut">
               <a:rPr lang="en-IN" smtClean="0"/>
-              <a:t>15-04-2025</a:t>
+              <a:t>19-04-2025</a:t>
             </a:fld>
             <a:endParaRPr lang="en-IN"/>
           </a:p>
@@ -2696,7 +2696,7 @@
           <a:p>
             <a:fld id="{071CA044-F6E2-42F3-8DC3-D09589A17459}" type="datetimeFigureOut">
               <a:rPr lang="en-IN" smtClean="0"/>
-              <a:t>15-04-2025</a:t>
+              <a:t>19-04-2025</a:t>
             </a:fld>
             <a:endParaRPr lang="en-IN"/>
           </a:p>
@@ -2942,7 +2942,7 @@
           <a:p>
             <a:fld id="{071CA044-F6E2-42F3-8DC3-D09589A17459}" type="datetimeFigureOut">
               <a:rPr lang="en-IN" smtClean="0"/>
-              <a:t>15-04-2025</a:t>
+              <a:t>19-04-2025</a:t>
             </a:fld>
             <a:endParaRPr lang="en-IN"/>
           </a:p>
@@ -4030,6 +4030,115 @@
           <a:chExt cx="0" cy="0"/>
         </a:xfrm>
       </p:grpSpPr>
+      <p:sp>
+        <p:nvSpPr>
+          <p:cNvPr id="2" name="Rectangle: Single Corner Snipped 1">
+            <a:extLst>
+              <a:ext uri="{FF2B5EF4-FFF2-40B4-BE49-F238E27FC236}">
+                <a16:creationId xmlns:a16="http://schemas.microsoft.com/office/drawing/2014/main" id="{863E75E3-4942-DC94-DCB5-562F6DEF0D64}"/>
+              </a:ext>
+            </a:extLst>
+          </p:cNvPr>
+          <p:cNvSpPr/>
+          <p:nvPr/>
+        </p:nvSpPr>
+        <p:spPr>
+          <a:xfrm>
+            <a:off x="0" y="3822192"/>
+            <a:ext cx="12192000" cy="1088136"/>
+          </a:xfrm>
+          <a:prstGeom prst="snip1Rect">
+            <a:avLst/>
+          </a:prstGeom>
+          <a:solidFill>
+            <a:schemeClr val="bg1">
+              <a:lumMod val="65000"/>
+            </a:schemeClr>
+          </a:solidFill>
+          <a:ln>
+            <a:solidFill>
+              <a:schemeClr val="tx1">
+                <a:lumMod val="75000"/>
+                <a:lumOff val="25000"/>
+              </a:schemeClr>
+            </a:solidFill>
+          </a:ln>
+        </p:spPr>
+        <p:style>
+          <a:lnRef idx="2">
+            <a:schemeClr val="accent1">
+              <a:shade val="15000"/>
+            </a:schemeClr>
+          </a:lnRef>
+          <a:fillRef idx="1">
+            <a:schemeClr val="accent1"/>
+          </a:fillRef>
+          <a:effectRef idx="0">
+            <a:schemeClr val="accent1"/>
+          </a:effectRef>
+          <a:fontRef idx="minor">
+            <a:schemeClr val="lt1"/>
+          </a:fontRef>
+        </p:style>
+        <p:txBody>
+          <a:bodyPr rtlCol="0" anchor="ctr"/>
+          <a:lstStyle/>
+          <a:p>
+            <a:pPr algn="ctr"/>
+            <a:endParaRPr lang="en-IN"/>
+          </a:p>
+        </p:txBody>
+      </p:sp>
+      <p:sp>
+        <p:nvSpPr>
+          <p:cNvPr id="3" name="TextBox 2">
+            <a:extLst>
+              <a:ext uri="{FF2B5EF4-FFF2-40B4-BE49-F238E27FC236}">
+                <a16:creationId xmlns:a16="http://schemas.microsoft.com/office/drawing/2014/main" id="{D9A980A1-EFCB-6937-69F6-AE6C90BFF58D}"/>
+              </a:ext>
+            </a:extLst>
+          </p:cNvPr>
+          <p:cNvSpPr txBox="1"/>
+          <p:nvPr/>
+        </p:nvSpPr>
+        <p:spPr>
+          <a:xfrm>
+            <a:off x="347472" y="2441448"/>
+            <a:ext cx="6382512" cy="1446550"/>
+          </a:xfrm>
+          <a:prstGeom prst="rect">
+            <a:avLst/>
+          </a:prstGeom>
+          <a:noFill/>
+        </p:spPr>
+        <p:txBody>
+          <a:bodyPr wrap="square" rtlCol="0">
+            <a:spAutoFit/>
+          </a:bodyPr>
+          <a:lstStyle/>
+          <a:p>
+            <a:r>
+              <a:rPr lang="en-US" sz="8800" dirty="0">
+                <a:solidFill>
+                  <a:schemeClr val="bg1">
+                    <a:lumMod val="95000"/>
+                  </a:schemeClr>
+                </a:solidFill>
+                <a:latin typeface="Agency FB" panose="020B0503020202020204" pitchFamily="34" charset="0"/>
+              </a:rPr>
+              <a:t>HTML 5</a:t>
+            </a:r>
+            <a:endParaRPr lang="en-IN" sz="8800" dirty="0">
+              <a:solidFill>
+                <a:schemeClr val="bg1">
+                  <a:lumMod val="95000"/>
+                </a:schemeClr>
+              </a:solidFill>
+              <a:latin typeface="Agency FB" panose="020B0503020202020204" pitchFamily="34" charset="0"/>
+            </a:endParaRPr>
+          </a:p>
+        </p:txBody>
+      </p:sp>
     </p:spTree>
     <p:extLst>
       <p:ext uri="{BB962C8B-B14F-4D97-AF65-F5344CB8AC3E}">
@@ -4060,6 +4169,118 @@
           <a:chExt cx="0" cy="0"/>
         </a:xfrm>
       </p:grpSpPr>
+      <p:sp>
+        <p:nvSpPr>
+          <p:cNvPr id="2" name="TextBox 1">
+            <a:extLst>
+              <a:ext uri="{FF2B5EF4-FFF2-40B4-BE49-F238E27FC236}">
+                <a16:creationId xmlns:a16="http://schemas.microsoft.com/office/drawing/2014/main" id="{270C3C1D-DDD2-CF32-530B-F7E74A57AEB7}"/>
+              </a:ext>
+            </a:extLst>
+          </p:cNvPr>
+          <p:cNvSpPr txBox="1"/>
+          <p:nvPr/>
+        </p:nvSpPr>
+        <p:spPr>
+          <a:xfrm>
+            <a:off x="173736" y="292608"/>
+            <a:ext cx="2944368" cy="523220"/>
+          </a:xfrm>
+          <a:prstGeom prst="rect">
+            <a:avLst/>
+          </a:prstGeom>
+          <a:noFill/>
+        </p:spPr>
+        <p:txBody>
+          <a:bodyPr wrap="square" rtlCol="0">
+            <a:spAutoFit/>
+          </a:bodyPr>
+          <a:lstStyle/>
+          <a:p>
+            <a:r>
+              <a:rPr lang="en-IN" sz="2800" b="1" u="sng" dirty="0">
+                <a:solidFill>
+                  <a:schemeClr val="bg1">
+                    <a:lumMod val="85000"/>
+                  </a:schemeClr>
+                </a:solidFill>
+              </a:rPr>
+              <a:t>What is HTML5 ?</a:t>
+            </a:r>
+          </a:p>
+        </p:txBody>
+      </p:sp>
+      <p:sp>
+        <p:nvSpPr>
+          <p:cNvPr id="3" name="TextBox 2">
+            <a:extLst>
+              <a:ext uri="{FF2B5EF4-FFF2-40B4-BE49-F238E27FC236}">
+                <a16:creationId xmlns:a16="http://schemas.microsoft.com/office/drawing/2014/main" id="{EEFAB71C-8D27-5497-9620-01940541A8B6}"/>
+              </a:ext>
+            </a:extLst>
+          </p:cNvPr>
+          <p:cNvSpPr txBox="1"/>
+          <p:nvPr/>
+        </p:nvSpPr>
+        <p:spPr>
+          <a:xfrm>
+            <a:off x="1078992" y="960120"/>
+            <a:ext cx="7763256" cy="923330"/>
+          </a:xfrm>
+          <a:prstGeom prst="rect">
+            <a:avLst/>
+          </a:prstGeom>
+          <a:noFill/>
+        </p:spPr>
+        <p:txBody>
+          <a:bodyPr wrap="square" rtlCol="0">
+            <a:spAutoFit/>
+          </a:bodyPr>
+          <a:lstStyle/>
+          <a:p>
+            <a:pPr marL="285750" indent="-285750">
+              <a:buFont typeface="Wingdings" panose="05000000000000000000" pitchFamily="2" charset="2"/>
+              <a:buChar char="§"/>
+            </a:pPr>
+            <a:r>
+              <a:rPr lang="en-IN" dirty="0">
+                <a:solidFill>
+                  <a:schemeClr val="bg1"/>
+                </a:solidFill>
+              </a:rPr>
+              <a:t>it’s a buzzword refers to modern web technologies</a:t>
+            </a:r>
+          </a:p>
+          <a:p>
+            <a:pPr marL="285750" indent="-285750">
+              <a:buFont typeface="Wingdings" panose="05000000000000000000" pitchFamily="2" charset="2"/>
+              <a:buChar char="§"/>
+            </a:pPr>
+            <a:r>
+              <a:rPr lang="en-IN" dirty="0">
+                <a:solidFill>
+                  <a:schemeClr val="bg1"/>
+                </a:solidFill>
+              </a:rPr>
+              <a:t>it’s the core markup language of WWW, Developed at WHATWG</a:t>
+            </a:r>
+          </a:p>
+          <a:p>
+            <a:pPr marL="285750" indent="-285750">
+              <a:buFont typeface="Wingdings" panose="05000000000000000000" pitchFamily="2" charset="2"/>
+              <a:buChar char="§"/>
+            </a:pPr>
+            <a:r>
+              <a:rPr lang="en-IN" dirty="0">
+                <a:solidFill>
+                  <a:schemeClr val="bg1"/>
+                </a:solidFill>
+              </a:rPr>
+              <a:t>Primarily designed for semantically describing scientific documents</a:t>
+            </a:r>
+          </a:p>
+        </p:txBody>
+      </p:sp>
     </p:spTree>
     <p:extLst>
       <p:ext uri="{BB962C8B-B14F-4D97-AF65-F5344CB8AC3E}">
@@ -4090,6 +4311,610 @@
           <a:chExt cx="0" cy="0"/>
         </a:xfrm>
       </p:grpSpPr>
+      <p:sp>
+        <p:nvSpPr>
+          <p:cNvPr id="8" name="TextBox 7">
+            <a:extLst>
+              <a:ext uri="{FF2B5EF4-FFF2-40B4-BE49-F238E27FC236}">
+                <a16:creationId xmlns:a16="http://schemas.microsoft.com/office/drawing/2014/main" id="{86EC6930-BDA2-2D21-87EF-9C8A536A5963}"/>
+              </a:ext>
+            </a:extLst>
+          </p:cNvPr>
+          <p:cNvSpPr txBox="1"/>
+          <p:nvPr/>
+        </p:nvSpPr>
+        <p:spPr>
+          <a:xfrm>
+            <a:off x="173736" y="292608"/>
+            <a:ext cx="3127248" cy="523220"/>
+          </a:xfrm>
+          <a:prstGeom prst="rect">
+            <a:avLst/>
+          </a:prstGeom>
+          <a:noFill/>
+        </p:spPr>
+        <p:txBody>
+          <a:bodyPr wrap="square" rtlCol="0">
+            <a:spAutoFit/>
+          </a:bodyPr>
+          <a:lstStyle/>
+          <a:p>
+            <a:r>
+              <a:rPr lang="en-IN" sz="2800" b="1" u="sng" dirty="0">
+                <a:solidFill>
+                  <a:schemeClr val="bg1">
+                    <a:lumMod val="85000"/>
+                  </a:schemeClr>
+                </a:solidFill>
+              </a:rPr>
+              <a:t>History of HTML5 ?</a:t>
+            </a:r>
+          </a:p>
+        </p:txBody>
+      </p:sp>
+      <p:sp>
+        <p:nvSpPr>
+          <p:cNvPr id="10" name="Rectangle 1">
+            <a:extLst>
+              <a:ext uri="{FF2B5EF4-FFF2-40B4-BE49-F238E27FC236}">
+                <a16:creationId xmlns:a16="http://schemas.microsoft.com/office/drawing/2014/main" id="{8CC62AD8-057F-765D-8F5A-F29C199328CD}"/>
+              </a:ext>
+            </a:extLst>
+          </p:cNvPr>
+          <p:cNvSpPr>
+            <a:spLocks noChangeArrowheads="1"/>
+          </p:cNvSpPr>
+          <p:nvPr/>
+        </p:nvSpPr>
+        <p:spPr bwMode="auto">
+          <a:xfrm rot="10800000" flipV="1">
+            <a:off x="548640" y="801083"/>
+            <a:ext cx="10597896" cy="4524315"/>
+          </a:xfrm>
+          <a:prstGeom prst="rect">
+            <a:avLst/>
+          </a:prstGeom>
+          <a:noFill/>
+          <a:ln>
+            <a:noFill/>
+          </a:ln>
+          <a:effectLst/>
+          <a:extLst>
+            <a:ext uri="{909E8E84-426E-40DD-AFC4-6F175D3DCCD1}">
+              <a14:hiddenFill xmlns:a14="http://schemas.microsoft.com/office/drawing/2010/main">
+                <a:solidFill>
+                  <a:schemeClr val="accent1"/>
+                </a:solidFill>
+              </a14:hiddenFill>
+            </a:ext>
+            <a:ext uri="{91240B29-F687-4F45-9708-019B960494DF}">
+              <a14:hiddenLine xmlns:a14="http://schemas.microsoft.com/office/drawing/2010/main" w="9525">
+                <a:solidFill>
+                  <a:schemeClr val="tx1"/>
+                </a:solidFill>
+                <a:miter lim="800000"/>
+                <a:headEnd/>
+                <a:tailEnd/>
+              </a14:hiddenLine>
+            </a:ext>
+            <a:ext uri="{AF507438-7753-43E0-B8FC-AC1667EBCBE1}">
+              <a14:hiddenEffects xmlns:a14="http://schemas.microsoft.com/office/drawing/2010/main">
+                <a:effectLst>
+                  <a:outerShdw dist="35921" dir="2700000" algn="ctr" rotWithShape="0">
+                    <a:schemeClr val="bg2"/>
+                  </a:outerShdw>
+                </a:effectLst>
+              </a14:hiddenEffects>
+            </a:ext>
+          </a:extLst>
+        </p:spPr>
+        <p:txBody>
+          <a:bodyPr vert="horz" wrap="square" lIns="91440" tIns="45720" rIns="91440" bIns="45720" numCol="1" anchor="ctr" anchorCtr="0" compatLnSpc="1">
+            <a:prstTxWarp prst="textNoShape">
+              <a:avLst/>
+            </a:prstTxWarp>
+            <a:spAutoFit/>
+          </a:bodyPr>
+          <a:lstStyle/>
+          <a:p>
+            <a:pPr lvl="1" eaLnBrk="0" fontAlgn="base" hangingPunct="0">
+              <a:spcBef>
+                <a:spcPct val="0"/>
+              </a:spcBef>
+              <a:spcAft>
+                <a:spcPct val="0"/>
+              </a:spcAft>
+            </a:pPr>
+            <a:r>
+              <a:rPr kumimoji="0" lang="en-US" altLang="en-US" b="1" i="0" u="none" strike="noStrike" cap="none" normalizeH="0" baseline="0" dirty="0">
+                <a:ln>
+                  <a:noFill/>
+                </a:ln>
+                <a:solidFill>
+                  <a:schemeClr val="bg1"/>
+                </a:solidFill>
+                <a:effectLst/>
+                <a:latin typeface="Arial" panose="020B0604020202020204" pitchFamily="34" charset="0"/>
+              </a:rPr>
+              <a:t>1. From roots to reform</a:t>
+            </a:r>
+          </a:p>
+          <a:p>
+            <a:pPr marL="285750" marR="0" lvl="0" indent="-285750" algn="l" defTabSz="914400" rtl="0" eaLnBrk="0" fontAlgn="base" latinLnBrk="0" hangingPunct="0">
+              <a:lnSpc>
+                <a:spcPct val="100000"/>
+              </a:lnSpc>
+              <a:spcBef>
+                <a:spcPct val="0"/>
+              </a:spcBef>
+              <a:spcAft>
+                <a:spcPct val="0"/>
+              </a:spcAft>
+              <a:buClrTx/>
+              <a:buSzTx/>
+              <a:buFont typeface="Arial" panose="020B0604020202020204" pitchFamily="34" charset="0"/>
+              <a:buChar char="•"/>
+              <a:tabLst/>
+            </a:pPr>
+            <a:endParaRPr lang="en-US" altLang="en-US" b="1" dirty="0">
+              <a:solidFill>
+                <a:schemeClr val="bg1"/>
+              </a:solidFill>
+              <a:latin typeface="Arial" panose="020B0604020202020204" pitchFamily="34" charset="0"/>
+            </a:endParaRPr>
+          </a:p>
+          <a:p>
+            <a:pPr marL="285750" indent="-285750">
+              <a:buFont typeface="Arial" panose="020B0604020202020204" pitchFamily="34" charset="0"/>
+              <a:buChar char="•"/>
+            </a:pPr>
+            <a:r>
+              <a:rPr lang="en-US" b="1" dirty="0">
+                <a:solidFill>
+                  <a:schemeClr val="bg1"/>
+                </a:solidFill>
+              </a:rPr>
+              <a:t>1990–1995</a:t>
+            </a:r>
+            <a:r>
+              <a:rPr lang="en-US" dirty="0">
+                <a:solidFill>
+                  <a:schemeClr val="bg1"/>
+                </a:solidFill>
+              </a:rPr>
+              <a:t>: HTML starts at </a:t>
+            </a:r>
+            <a:r>
+              <a:rPr lang="en-US" b="1" dirty="0">
+                <a:solidFill>
+                  <a:schemeClr val="bg1"/>
+                </a:solidFill>
+              </a:rPr>
+              <a:t>CERN</a:t>
+            </a:r>
+            <a:r>
+              <a:rPr lang="en-US" dirty="0">
+                <a:solidFill>
+                  <a:schemeClr val="bg1"/>
+                </a:solidFill>
+              </a:rPr>
+              <a:t>, then moves to the </a:t>
+            </a:r>
+            <a:r>
+              <a:rPr lang="en-US" b="1" dirty="0">
+                <a:solidFill>
+                  <a:schemeClr val="bg1"/>
+                </a:solidFill>
+              </a:rPr>
+              <a:t>IETF</a:t>
+            </a:r>
+            <a:r>
+              <a:rPr lang="en-US" dirty="0">
+                <a:solidFill>
+                  <a:schemeClr val="bg1"/>
+                </a:solidFill>
+              </a:rPr>
+              <a:t>. A period of rapid updates and experimentation.</a:t>
+            </a:r>
+          </a:p>
+          <a:p>
+            <a:pPr marL="285750" indent="-285750">
+              <a:buFont typeface="Arial" panose="020B0604020202020204" pitchFamily="34" charset="0"/>
+              <a:buChar char="•"/>
+            </a:pPr>
+            <a:r>
+              <a:rPr lang="en-US" b="1" dirty="0">
+                <a:solidFill>
+                  <a:schemeClr val="bg1"/>
+                </a:solidFill>
+              </a:rPr>
+              <a:t>1995</a:t>
+            </a:r>
+            <a:r>
+              <a:rPr lang="en-US" dirty="0">
+                <a:solidFill>
+                  <a:schemeClr val="bg1"/>
+                </a:solidFill>
+              </a:rPr>
+              <a:t>: HTML 3.0 aimed big but fizzled.</a:t>
+            </a:r>
+          </a:p>
+          <a:p>
+            <a:br>
+              <a:rPr lang="en-US" dirty="0">
+                <a:solidFill>
+                  <a:schemeClr val="bg1"/>
+                </a:solidFill>
+              </a:rPr>
+            </a:br>
+            <a:r>
+              <a:rPr lang="en-US" dirty="0">
+                <a:solidFill>
+                  <a:schemeClr val="bg1"/>
+                </a:solidFill>
+              </a:rPr>
+              <a:t>📌 Solution? A more practical </a:t>
+            </a:r>
+            <a:r>
+              <a:rPr lang="en-US" b="1" dirty="0">
+                <a:solidFill>
+                  <a:schemeClr val="bg1"/>
+                </a:solidFill>
+              </a:rPr>
+              <a:t>HTML 3.2</a:t>
+            </a:r>
+            <a:r>
+              <a:rPr lang="en-US" dirty="0">
+                <a:solidFill>
+                  <a:schemeClr val="bg1"/>
+                </a:solidFill>
+              </a:rPr>
+              <a:t> in </a:t>
+            </a:r>
+            <a:r>
+              <a:rPr lang="en-US" b="1" dirty="0">
+                <a:solidFill>
+                  <a:schemeClr val="bg1"/>
+                </a:solidFill>
+              </a:rPr>
+              <a:t>1997</a:t>
+            </a:r>
+            <a:r>
+              <a:rPr lang="en-US" dirty="0">
+                <a:solidFill>
+                  <a:schemeClr val="bg1"/>
+                </a:solidFill>
+              </a:rPr>
+              <a:t>, followed closely by </a:t>
+            </a:r>
+            <a:r>
+              <a:rPr lang="en-US" b="1" dirty="0">
+                <a:solidFill>
+                  <a:schemeClr val="bg1"/>
+                </a:solidFill>
+              </a:rPr>
+              <a:t>HTML4</a:t>
+            </a:r>
+            <a:r>
+              <a:rPr lang="en-US" dirty="0">
+                <a:solidFill>
+                  <a:schemeClr val="bg1"/>
+                </a:solidFill>
+              </a:rPr>
+              <a:t>.</a:t>
+            </a:r>
+          </a:p>
+          <a:p>
+            <a:pPr marL="285750" indent="-285750">
+              <a:buFont typeface="Arial" panose="020B0604020202020204" pitchFamily="34" charset="0"/>
+              <a:buChar char="•"/>
+            </a:pPr>
+            <a:r>
+              <a:rPr lang="en-US" b="1" dirty="0">
+                <a:solidFill>
+                  <a:schemeClr val="bg1"/>
+                </a:solidFill>
+              </a:rPr>
+              <a:t>1998</a:t>
+            </a:r>
+            <a:r>
+              <a:rPr lang="en-US" dirty="0">
+                <a:solidFill>
+                  <a:schemeClr val="bg1"/>
+                </a:solidFill>
+              </a:rPr>
+              <a:t>: W3C shifts focus to </a:t>
+            </a:r>
+            <a:r>
+              <a:rPr lang="en-US" b="1" dirty="0">
+                <a:solidFill>
+                  <a:schemeClr val="bg1"/>
+                </a:solidFill>
+              </a:rPr>
+              <a:t>XHTML</a:t>
+            </a:r>
+            <a:r>
+              <a:rPr lang="en-US" dirty="0">
+                <a:solidFill>
+                  <a:schemeClr val="bg1"/>
+                </a:solidFill>
+              </a:rPr>
+              <a:t>—an XML version of HTML.</a:t>
+            </a:r>
+          </a:p>
+          <a:p>
+            <a:pPr marL="285750" indent="-285750">
+              <a:buFont typeface="Arial" panose="020B0604020202020204" pitchFamily="34" charset="0"/>
+              <a:buChar char="•"/>
+            </a:pPr>
+            <a:r>
+              <a:rPr lang="en-US" b="1" dirty="0">
+                <a:solidFill>
+                  <a:schemeClr val="bg1"/>
+                </a:solidFill>
+              </a:rPr>
+              <a:t>2000</a:t>
+            </a:r>
+            <a:r>
+              <a:rPr lang="en-US" dirty="0">
+                <a:solidFill>
+                  <a:schemeClr val="bg1"/>
+                </a:solidFill>
+              </a:rPr>
+              <a:t>: Launch of </a:t>
+            </a:r>
+            <a:r>
+              <a:rPr lang="en-US" b="1" dirty="0">
+                <a:solidFill>
+                  <a:schemeClr val="bg1"/>
+                </a:solidFill>
+              </a:rPr>
+              <a:t>XHTML 1.0</a:t>
+            </a:r>
+            <a:r>
+              <a:rPr lang="en-US" dirty="0">
+                <a:solidFill>
+                  <a:schemeClr val="bg1"/>
+                </a:solidFill>
+              </a:rPr>
+              <a:t>—HTML4 in XML clothes, no new features.</a:t>
+            </a:r>
+          </a:p>
+          <a:p>
+            <a:pPr marL="285750" indent="-285750">
+              <a:buFont typeface="Arial" panose="020B0604020202020204" pitchFamily="34" charset="0"/>
+              <a:buChar char="•"/>
+            </a:pPr>
+            <a:r>
+              <a:rPr lang="en-US" dirty="0">
+                <a:solidFill>
+                  <a:schemeClr val="bg1"/>
+                </a:solidFill>
+              </a:rPr>
+              <a:t>The focus shifts to </a:t>
+            </a:r>
+            <a:r>
+              <a:rPr lang="en-US" b="1" dirty="0">
+                <a:solidFill>
+                  <a:schemeClr val="bg1"/>
+                </a:solidFill>
+              </a:rPr>
+              <a:t>XHTML Modularization</a:t>
+            </a:r>
+            <a:r>
+              <a:rPr lang="en-US" dirty="0">
+                <a:solidFill>
+                  <a:schemeClr val="bg1"/>
+                </a:solidFill>
+              </a:rPr>
+              <a:t>—breaking it into reusable parts.</a:t>
+            </a:r>
+          </a:p>
+          <a:p>
+            <a:pPr marL="285750" indent="-285750">
+              <a:buFont typeface="Arial" panose="020B0604020202020204" pitchFamily="34" charset="0"/>
+              <a:buChar char="•"/>
+            </a:pPr>
+            <a:r>
+              <a:rPr lang="en-US" dirty="0">
+                <a:solidFill>
+                  <a:schemeClr val="bg1"/>
+                </a:solidFill>
+              </a:rPr>
+              <a:t>Meanwhile, </a:t>
+            </a:r>
+            <a:r>
+              <a:rPr lang="en-US" b="1" dirty="0">
+                <a:solidFill>
+                  <a:schemeClr val="bg1"/>
+                </a:solidFill>
+              </a:rPr>
+              <a:t>XHTML2</a:t>
+            </a:r>
+            <a:r>
+              <a:rPr lang="en-US" dirty="0">
+                <a:solidFill>
+                  <a:schemeClr val="bg1"/>
+                </a:solidFill>
+              </a:rPr>
+              <a:t> was born—a clean slate, but </a:t>
+            </a:r>
+            <a:r>
+              <a:rPr lang="en-US" b="1" dirty="0">
+                <a:solidFill>
+                  <a:schemeClr val="bg1"/>
+                </a:solidFill>
+              </a:rPr>
+              <a:t>not backward-compatible</a:t>
+            </a:r>
+            <a:r>
+              <a:rPr lang="en-US" dirty="0">
+                <a:solidFill>
+                  <a:schemeClr val="bg1"/>
+                </a:solidFill>
+              </a:rPr>
+              <a:t>.</a:t>
+            </a:r>
+          </a:p>
+          <a:p>
+            <a:pPr marL="285750" indent="-285750">
+              <a:buFont typeface="Arial" panose="020B0604020202020204" pitchFamily="34" charset="0"/>
+              <a:buChar char="•"/>
+            </a:pPr>
+            <a:r>
+              <a:rPr lang="en-US" b="1" dirty="0">
+                <a:solidFill>
+                  <a:schemeClr val="bg1"/>
+                </a:solidFill>
+              </a:rPr>
+              <a:t>DOM APIs</a:t>
+            </a:r>
+            <a:r>
+              <a:rPr lang="en-US" dirty="0">
+                <a:solidFill>
+                  <a:schemeClr val="bg1"/>
+                </a:solidFill>
+              </a:rPr>
+              <a:t> for HTML were also standardized around this time:</a:t>
+            </a:r>
+          </a:p>
+          <a:p>
+            <a:pPr marL="742950" lvl="1" indent="-285750">
+              <a:buFont typeface="Arial" panose="020B0604020202020204" pitchFamily="34" charset="0"/>
+              <a:buChar char="•"/>
+            </a:pPr>
+            <a:r>
+              <a:rPr lang="en-US" b="1" dirty="0">
+                <a:solidFill>
+                  <a:schemeClr val="bg1"/>
+                </a:solidFill>
+              </a:rPr>
+              <a:t>DOM Level 1</a:t>
+            </a:r>
+            <a:r>
+              <a:rPr lang="en-US" dirty="0">
+                <a:solidFill>
+                  <a:schemeClr val="bg1"/>
+                </a:solidFill>
+              </a:rPr>
+              <a:t> (1998)</a:t>
+            </a:r>
+          </a:p>
+          <a:p>
+            <a:pPr marL="742950" lvl="1" indent="-285750">
+              <a:buFont typeface="Arial" panose="020B0604020202020204" pitchFamily="34" charset="0"/>
+              <a:buChar char="•"/>
+            </a:pPr>
+            <a:r>
+              <a:rPr lang="en-US" b="1" dirty="0">
+                <a:solidFill>
+                  <a:schemeClr val="bg1"/>
+                </a:solidFill>
+              </a:rPr>
+              <a:t>DOM Level 2</a:t>
+            </a:r>
+            <a:r>
+              <a:rPr lang="en-US" dirty="0">
+                <a:solidFill>
+                  <a:schemeClr val="bg1"/>
+                </a:solidFill>
+              </a:rPr>
+              <a:t> (2000–2003)</a:t>
+            </a:r>
+          </a:p>
+          <a:p>
+            <a:pPr marL="742950" lvl="1" indent="-285750">
+              <a:buFont typeface="Arial" panose="020B0604020202020204" pitchFamily="34" charset="0"/>
+              <a:buChar char="•"/>
+            </a:pPr>
+            <a:r>
+              <a:rPr lang="en-US" b="1" dirty="0">
+                <a:solidFill>
+                  <a:schemeClr val="bg1"/>
+                </a:solidFill>
+              </a:rPr>
+              <a:t>DOM Level 3</a:t>
+            </a:r>
+            <a:r>
+              <a:rPr lang="en-US" dirty="0">
+                <a:solidFill>
+                  <a:schemeClr val="bg1"/>
+                </a:solidFill>
+              </a:rPr>
+              <a:t> started but left incomplete.</a:t>
+            </a:r>
+          </a:p>
+          <a:p>
+            <a:pPr marL="285750" indent="-285750">
+              <a:buFont typeface="Arial" panose="020B0604020202020204" pitchFamily="34" charset="0"/>
+              <a:buChar char="•"/>
+            </a:pPr>
+            <a:r>
+              <a:rPr lang="en-US" b="1" dirty="0">
+                <a:solidFill>
+                  <a:schemeClr val="bg1"/>
+                </a:solidFill>
+              </a:rPr>
+              <a:t>2003</a:t>
+            </a:r>
+            <a:r>
+              <a:rPr lang="en-US" dirty="0">
+                <a:solidFill>
+                  <a:schemeClr val="bg1"/>
+                </a:solidFill>
+              </a:rPr>
+              <a:t>: </a:t>
+            </a:r>
+            <a:r>
+              <a:rPr lang="en-US" dirty="0" err="1">
+                <a:solidFill>
+                  <a:schemeClr val="bg1"/>
+                </a:solidFill>
+              </a:rPr>
+              <a:t>XForms</a:t>
+            </a:r>
+            <a:r>
+              <a:rPr lang="en-US" dirty="0">
+                <a:solidFill>
+                  <a:schemeClr val="bg1"/>
+                </a:solidFill>
+              </a:rPr>
+              <a:t> (future of web forms?) drops—sparks realization:</a:t>
+            </a:r>
+            <a:br>
+              <a:rPr lang="en-US" dirty="0">
+                <a:solidFill>
+                  <a:schemeClr val="bg1"/>
+                </a:solidFill>
+              </a:rPr>
+            </a:br>
+            <a:r>
+              <a:rPr lang="en-US" dirty="0">
+                <a:solidFill>
+                  <a:schemeClr val="bg1"/>
+                </a:solidFill>
+              </a:rPr>
+              <a:t>➤ </a:t>
+            </a:r>
+            <a:r>
+              <a:rPr lang="en-US" b="1" dirty="0">
+                <a:solidFill>
+                  <a:schemeClr val="bg1"/>
+                </a:solidFill>
+              </a:rPr>
+              <a:t>XML didn’t replace HTML</a:t>
+            </a:r>
+            <a:r>
+              <a:rPr lang="en-US" dirty="0">
+                <a:solidFill>
+                  <a:schemeClr val="bg1"/>
+                </a:solidFill>
+              </a:rPr>
+              <a:t>… but rather coexisted with new formats like RSS and Atom.</a:t>
+            </a:r>
+          </a:p>
+        </p:txBody>
+      </p:sp>
     </p:spTree>
     <p:extLst>
       <p:ext uri="{BB962C8B-B14F-4D97-AF65-F5344CB8AC3E}">
@@ -4120,6 +4945,893 @@
           <a:chExt cx="0" cy="0"/>
         </a:xfrm>
       </p:grpSpPr>
+      <p:sp>
+        <p:nvSpPr>
+          <p:cNvPr id="5" name="Rectangle 1">
+            <a:extLst>
+              <a:ext uri="{FF2B5EF4-FFF2-40B4-BE49-F238E27FC236}">
+                <a16:creationId xmlns:a16="http://schemas.microsoft.com/office/drawing/2014/main" id="{A763A477-0F34-5FCF-3B97-54C1B8AADBBE}"/>
+              </a:ext>
+            </a:extLst>
+          </p:cNvPr>
+          <p:cNvSpPr>
+            <a:spLocks noChangeArrowheads="1"/>
+          </p:cNvSpPr>
+          <p:nvPr/>
+        </p:nvSpPr>
+        <p:spPr bwMode="auto">
+          <a:xfrm rot="10800000" flipV="1">
+            <a:off x="292608" y="522745"/>
+            <a:ext cx="11786616" cy="5355312"/>
+          </a:xfrm>
+          <a:prstGeom prst="rect">
+            <a:avLst/>
+          </a:prstGeom>
+          <a:noFill/>
+          <a:ln>
+            <a:noFill/>
+          </a:ln>
+          <a:effectLst/>
+          <a:extLst>
+            <a:ext uri="{909E8E84-426E-40DD-AFC4-6F175D3DCCD1}">
+              <a14:hiddenFill xmlns:a14="http://schemas.microsoft.com/office/drawing/2010/main">
+                <a:solidFill>
+                  <a:schemeClr val="accent1"/>
+                </a:solidFill>
+              </a14:hiddenFill>
+            </a:ext>
+            <a:ext uri="{91240B29-F687-4F45-9708-019B960494DF}">
+              <a14:hiddenLine xmlns:a14="http://schemas.microsoft.com/office/drawing/2010/main" w="9525">
+                <a:solidFill>
+                  <a:schemeClr val="tx1"/>
+                </a:solidFill>
+                <a:miter lim="800000"/>
+                <a:headEnd/>
+                <a:tailEnd/>
+              </a14:hiddenLine>
+            </a:ext>
+            <a:ext uri="{AF507438-7753-43E0-B8FC-AC1667EBCBE1}">
+              <a14:hiddenEffects xmlns:a14="http://schemas.microsoft.com/office/drawing/2010/main">
+                <a:effectLst>
+                  <a:outerShdw dist="35921" dir="2700000" algn="ctr" rotWithShape="0">
+                    <a:schemeClr val="bg2"/>
+                  </a:outerShdw>
+                </a:effectLst>
+              </a14:hiddenEffects>
+            </a:ext>
+          </a:extLst>
+        </p:spPr>
+        <p:txBody>
+          <a:bodyPr vert="horz" wrap="square" lIns="91440" tIns="45720" rIns="91440" bIns="45720" numCol="1" anchor="ctr" anchorCtr="0" compatLnSpc="1">
+            <a:prstTxWarp prst="textNoShape">
+              <a:avLst/>
+            </a:prstTxWarp>
+            <a:spAutoFit/>
+          </a:bodyPr>
+          <a:lstStyle/>
+          <a:p>
+            <a:pPr marL="285750" marR="0" lvl="0" indent="-285750" algn="l" defTabSz="914400" rtl="0" eaLnBrk="0" fontAlgn="base" latinLnBrk="0" hangingPunct="0">
+              <a:lnSpc>
+                <a:spcPct val="100000"/>
+              </a:lnSpc>
+              <a:spcBef>
+                <a:spcPct val="0"/>
+              </a:spcBef>
+              <a:spcAft>
+                <a:spcPct val="0"/>
+              </a:spcAft>
+              <a:buClrTx/>
+              <a:buSzTx/>
+              <a:buFont typeface="Arial" panose="020B0604020202020204" pitchFamily="34" charset="0"/>
+              <a:buChar char="•"/>
+              <a:tabLst/>
+            </a:pPr>
+            <a:r>
+              <a:rPr kumimoji="0" lang="en-US" altLang="en-US" sz="1800" b="0" i="0" u="none" strike="noStrike" cap="none" normalizeH="0" baseline="0" dirty="0">
+                <a:ln>
+                  <a:noFill/>
+                </a:ln>
+                <a:solidFill>
+                  <a:schemeClr val="bg1"/>
+                </a:solidFill>
+                <a:effectLst/>
+                <a:latin typeface="Arial" panose="020B0604020202020204" pitchFamily="34" charset="0"/>
+              </a:rPr>
+              <a:t>Developers prove that </a:t>
+            </a:r>
+            <a:r>
+              <a:rPr kumimoji="0" lang="en-US" altLang="en-US" sz="1800" b="1" i="0" u="none" strike="noStrike" cap="none" normalizeH="0" baseline="0" dirty="0">
+                <a:ln>
+                  <a:noFill/>
+                </a:ln>
+                <a:solidFill>
+                  <a:schemeClr val="bg1"/>
+                </a:solidFill>
+                <a:effectLst/>
+                <a:latin typeface="Arial" panose="020B0604020202020204" pitchFamily="34" charset="0"/>
+              </a:rPr>
+              <a:t>HTML4 could be extended</a:t>
+            </a:r>
+            <a:r>
+              <a:rPr kumimoji="0" lang="en-US" altLang="en-US" sz="1800" b="0" i="0" u="none" strike="noStrike" cap="none" normalizeH="0" baseline="0" dirty="0">
+                <a:ln>
+                  <a:noFill/>
+                </a:ln>
+                <a:solidFill>
+                  <a:schemeClr val="bg1"/>
+                </a:solidFill>
+                <a:effectLst/>
+                <a:latin typeface="Arial" panose="020B0604020202020204" pitchFamily="34" charset="0"/>
+              </a:rPr>
+              <a:t> to include many </a:t>
+            </a:r>
+            <a:r>
+              <a:rPr kumimoji="0" lang="en-US" altLang="en-US" sz="1800" b="0" i="0" u="none" strike="noStrike" cap="none" normalizeH="0" baseline="0" dirty="0" err="1">
+                <a:ln>
+                  <a:noFill/>
+                </a:ln>
+                <a:solidFill>
+                  <a:schemeClr val="bg1"/>
+                </a:solidFill>
+                <a:effectLst/>
+                <a:latin typeface="Arial" panose="020B0604020202020204" pitchFamily="34" charset="0"/>
+              </a:rPr>
+              <a:t>XForms</a:t>
+            </a:r>
+            <a:r>
+              <a:rPr kumimoji="0" lang="en-US" altLang="en-US" sz="1800" b="0" i="0" u="none" strike="noStrike" cap="none" normalizeH="0" baseline="0" dirty="0">
+                <a:ln>
+                  <a:noFill/>
+                </a:ln>
+                <a:solidFill>
+                  <a:schemeClr val="bg1"/>
+                </a:solidFill>
+                <a:effectLst/>
+                <a:latin typeface="Arial" panose="020B0604020202020204" pitchFamily="34" charset="0"/>
+              </a:rPr>
+              <a:t> features </a:t>
+            </a:r>
+            <a:r>
+              <a:rPr kumimoji="0" lang="en-US" altLang="en-US" sz="1800" b="1" i="0" u="none" strike="noStrike" cap="none" normalizeH="0" baseline="0" dirty="0">
+                <a:ln>
+                  <a:noFill/>
+                </a:ln>
+                <a:solidFill>
+                  <a:schemeClr val="bg1"/>
+                </a:solidFill>
+                <a:effectLst/>
+                <a:latin typeface="Arial" panose="020B0604020202020204" pitchFamily="34" charset="0"/>
+              </a:rPr>
+              <a:t>without breaking the web</a:t>
+            </a:r>
+            <a:r>
+              <a:rPr kumimoji="0" lang="en-US" altLang="en-US" sz="1800" b="0" i="0" u="none" strike="noStrike" cap="none" normalizeH="0" baseline="0" dirty="0">
+                <a:ln>
+                  <a:noFill/>
+                </a:ln>
+                <a:solidFill>
+                  <a:schemeClr val="bg1"/>
+                </a:solidFill>
+                <a:effectLst/>
+                <a:latin typeface="Arial" panose="020B0604020202020204" pitchFamily="34" charset="0"/>
+              </a:rPr>
+              <a:t>.</a:t>
+            </a:r>
+          </a:p>
+          <a:p>
+            <a:pPr marL="285750" marR="0" lvl="0" indent="-285750" algn="l" defTabSz="914400" rtl="0" eaLnBrk="0" fontAlgn="base" latinLnBrk="0" hangingPunct="0">
+              <a:lnSpc>
+                <a:spcPct val="100000"/>
+              </a:lnSpc>
+              <a:spcBef>
+                <a:spcPct val="0"/>
+              </a:spcBef>
+              <a:spcAft>
+                <a:spcPct val="0"/>
+              </a:spcAft>
+              <a:buClrTx/>
+              <a:buSzTx/>
+              <a:buFont typeface="Arial" panose="020B0604020202020204" pitchFamily="34" charset="0"/>
+              <a:buChar char="•"/>
+              <a:tabLst/>
+            </a:pPr>
+            <a:r>
+              <a:rPr kumimoji="0" lang="en-US" altLang="en-US" sz="1800" b="0" i="0" u="none" strike="noStrike" cap="none" normalizeH="0" baseline="0" dirty="0">
+                <a:ln>
+                  <a:noFill/>
+                </a:ln>
+                <a:solidFill>
+                  <a:schemeClr val="bg1"/>
+                </a:solidFill>
+                <a:effectLst/>
+                <a:latin typeface="Arial" panose="020B0604020202020204" pitchFamily="34" charset="0"/>
+              </a:rPr>
+              <a:t>Opera takes the lead—publishes a draft under its copyright.</a:t>
+            </a:r>
+          </a:p>
+          <a:p>
+            <a:pPr marL="285750" marR="0" lvl="0" indent="-285750" algn="l" defTabSz="914400" rtl="0" eaLnBrk="0" fontAlgn="base" latinLnBrk="0" hangingPunct="0">
+              <a:lnSpc>
+                <a:spcPct val="100000"/>
+              </a:lnSpc>
+              <a:spcBef>
+                <a:spcPct val="0"/>
+              </a:spcBef>
+              <a:spcAft>
+                <a:spcPct val="0"/>
+              </a:spcAft>
+              <a:buClrTx/>
+              <a:buSzTx/>
+              <a:buFont typeface="Arial" panose="020B0604020202020204" pitchFamily="34" charset="0"/>
+              <a:buChar char="•"/>
+              <a:tabLst/>
+            </a:pPr>
+            <a:r>
+              <a:rPr kumimoji="0" lang="en-US" altLang="en-US" sz="1800" b="1" i="0" u="none" strike="noStrike" cap="none" normalizeH="0" baseline="0" dirty="0">
+                <a:ln>
+                  <a:noFill/>
+                </a:ln>
+                <a:solidFill>
+                  <a:schemeClr val="bg1"/>
+                </a:solidFill>
+                <a:effectLst/>
+                <a:latin typeface="Arial" panose="020B0604020202020204" pitchFamily="34" charset="0"/>
+              </a:rPr>
+              <a:t>2004</a:t>
+            </a:r>
+            <a:r>
+              <a:rPr kumimoji="0" lang="en-US" altLang="en-US" sz="1800" b="0" i="0" u="none" strike="noStrike" cap="none" normalizeH="0" baseline="0" dirty="0">
+                <a:ln>
+                  <a:noFill/>
+                </a:ln>
+                <a:solidFill>
+                  <a:schemeClr val="bg1"/>
+                </a:solidFill>
+                <a:effectLst/>
+                <a:latin typeface="Arial" panose="020B0604020202020204" pitchFamily="34" charset="0"/>
+              </a:rPr>
+              <a:t>: Opera &amp; Mozilla present their ideas at a W3C workshop. Rejected. W3C sticks to the XML path.</a:t>
+            </a:r>
+          </a:p>
+          <a:p>
+            <a:pPr marL="285750" marR="0" lvl="0" indent="-285750" algn="l" defTabSz="914400" rtl="0" eaLnBrk="0" fontAlgn="base" latinLnBrk="0" hangingPunct="0">
+              <a:lnSpc>
+                <a:spcPct val="100000"/>
+              </a:lnSpc>
+              <a:spcBef>
+                <a:spcPct val="0"/>
+              </a:spcBef>
+              <a:spcAft>
+                <a:spcPct val="0"/>
+              </a:spcAft>
+              <a:buClrTx/>
+              <a:buSzTx/>
+              <a:buFont typeface="Arial" panose="020B0604020202020204" pitchFamily="34" charset="0"/>
+              <a:buChar char="•"/>
+              <a:tabLst/>
+            </a:pPr>
+            <a:r>
+              <a:rPr kumimoji="0" lang="en-US" altLang="en-US" sz="1800" b="1" i="0" u="none" strike="noStrike" cap="none" normalizeH="0" baseline="0" dirty="0">
+                <a:ln>
+                  <a:noFill/>
+                </a:ln>
+                <a:solidFill>
+                  <a:schemeClr val="bg1"/>
+                </a:solidFill>
+                <a:effectLst/>
+                <a:latin typeface="Arial" panose="020B0604020202020204" pitchFamily="34" charset="0"/>
+              </a:rPr>
+              <a:t>So... Apple, Mozilla, and Opera form WHATWG</a:t>
+            </a:r>
+            <a:r>
+              <a:rPr kumimoji="0" lang="en-US" altLang="en-US" sz="1800" b="0" i="0" u="none" strike="noStrike" cap="none" normalizeH="0" baseline="0" dirty="0">
+                <a:ln>
+                  <a:noFill/>
+                </a:ln>
+                <a:solidFill>
+                  <a:schemeClr val="bg1"/>
+                </a:solidFill>
+                <a:effectLst/>
+                <a:latin typeface="Arial" panose="020B0604020202020204" pitchFamily="34" charset="0"/>
+              </a:rPr>
+              <a:t> and continue independently.</a:t>
+            </a:r>
+          </a:p>
+          <a:p>
+            <a:pPr marR="0" lvl="0" algn="l" defTabSz="914400" rtl="0" eaLnBrk="0" fontAlgn="base" latinLnBrk="0" hangingPunct="0">
+              <a:lnSpc>
+                <a:spcPct val="100000"/>
+              </a:lnSpc>
+              <a:spcBef>
+                <a:spcPct val="0"/>
+              </a:spcBef>
+              <a:spcAft>
+                <a:spcPct val="0"/>
+              </a:spcAft>
+              <a:buClrTx/>
+              <a:buSzTx/>
+              <a:tabLst/>
+            </a:pPr>
+            <a:br>
+              <a:rPr kumimoji="0" lang="en-US" altLang="en-US" sz="1800" b="0" i="0" u="none" strike="noStrike" cap="none" normalizeH="0" baseline="0" dirty="0">
+                <a:ln>
+                  <a:noFill/>
+                </a:ln>
+                <a:solidFill>
+                  <a:schemeClr val="bg1"/>
+                </a:solidFill>
+                <a:effectLst/>
+                <a:latin typeface="Arial" panose="020B0604020202020204" pitchFamily="34" charset="0"/>
+              </a:rPr>
+            </a:br>
+            <a:r>
+              <a:rPr kumimoji="0" lang="en-US" altLang="en-US" sz="1800" b="0" i="0" u="none" strike="noStrike" cap="none" normalizeH="0" baseline="0" dirty="0">
+                <a:ln>
+                  <a:noFill/>
+                </a:ln>
+                <a:solidFill>
+                  <a:schemeClr val="bg1"/>
+                </a:solidFill>
+                <a:effectLst/>
+                <a:latin typeface="Arial" panose="020B0604020202020204" pitchFamily="34" charset="0"/>
+              </a:rPr>
+              <a:t>   🔓 Open spec, public mailing list, shared copyright.</a:t>
+            </a:r>
+          </a:p>
+          <a:p>
+            <a:pPr marL="285750" marR="0" lvl="0" indent="-285750" algn="l" defTabSz="914400" rtl="0" eaLnBrk="0" fontAlgn="base" latinLnBrk="0" hangingPunct="0">
+              <a:lnSpc>
+                <a:spcPct val="100000"/>
+              </a:lnSpc>
+              <a:spcBef>
+                <a:spcPct val="0"/>
+              </a:spcBef>
+              <a:spcAft>
+                <a:spcPct val="0"/>
+              </a:spcAft>
+              <a:buClrTx/>
+              <a:buSzTx/>
+              <a:buFont typeface="Arial" panose="020B0604020202020204" pitchFamily="34" charset="0"/>
+              <a:buChar char="•"/>
+              <a:tabLst/>
+            </a:pPr>
+            <a:r>
+              <a:rPr kumimoji="0" lang="en-US" altLang="en-US" sz="1800" b="0" i="0" u="none" strike="noStrike" cap="none" normalizeH="0" baseline="0" dirty="0">
+                <a:ln>
+                  <a:noFill/>
+                </a:ln>
+                <a:solidFill>
+                  <a:schemeClr val="bg1"/>
+                </a:solidFill>
+                <a:effectLst/>
+                <a:latin typeface="Arial" panose="020B0604020202020204" pitchFamily="34" charset="0"/>
+              </a:rPr>
+              <a:t>WHATWG core values:</a:t>
+            </a:r>
+          </a:p>
+          <a:p>
+            <a:pPr marL="1200150" lvl="2" indent="-285750" eaLnBrk="0" fontAlgn="base" hangingPunct="0">
+              <a:spcBef>
+                <a:spcPct val="0"/>
+              </a:spcBef>
+              <a:spcAft>
+                <a:spcPct val="0"/>
+              </a:spcAft>
+              <a:buFont typeface="Arial" panose="020B0604020202020204" pitchFamily="34" charset="0"/>
+              <a:buChar char="•"/>
+            </a:pPr>
+            <a:r>
+              <a:rPr kumimoji="0" lang="en-US" altLang="en-US" b="0" i="0" u="none" strike="noStrike" cap="none" normalizeH="0" baseline="0" dirty="0">
+                <a:ln>
+                  <a:noFill/>
+                </a:ln>
+                <a:solidFill>
+                  <a:schemeClr val="bg1"/>
+                </a:solidFill>
+                <a:effectLst/>
+                <a:latin typeface="Arial" panose="020B0604020202020204" pitchFamily="34" charset="0"/>
+              </a:rPr>
+              <a:t>Backward compatibility</a:t>
+            </a:r>
+          </a:p>
+          <a:p>
+            <a:pPr marL="1200150" lvl="2" indent="-285750" eaLnBrk="0" fontAlgn="base" hangingPunct="0">
+              <a:spcBef>
+                <a:spcPct val="0"/>
+              </a:spcBef>
+              <a:spcAft>
+                <a:spcPct val="0"/>
+              </a:spcAft>
+              <a:buFont typeface="Arial" panose="020B0604020202020204" pitchFamily="34" charset="0"/>
+              <a:buChar char="•"/>
+            </a:pPr>
+            <a:r>
+              <a:rPr kumimoji="0" lang="en-US" altLang="en-US" b="0" i="0" u="none" strike="noStrike" cap="none" normalizeH="0" baseline="0" dirty="0">
+                <a:ln>
+                  <a:noFill/>
+                </a:ln>
+                <a:solidFill>
+                  <a:schemeClr val="bg1"/>
+                </a:solidFill>
+                <a:effectLst/>
+                <a:latin typeface="Arial" panose="020B0604020202020204" pitchFamily="34" charset="0"/>
+              </a:rPr>
+              <a:t>Spec matches real-world behavior</a:t>
+            </a:r>
+          </a:p>
+          <a:p>
+            <a:pPr marL="1200150" lvl="2" indent="-285750" eaLnBrk="0" fontAlgn="base" hangingPunct="0">
+              <a:spcBef>
+                <a:spcPct val="0"/>
+              </a:spcBef>
+              <a:spcAft>
+                <a:spcPct val="0"/>
+              </a:spcAft>
+              <a:buFont typeface="Arial" panose="020B0604020202020204" pitchFamily="34" charset="0"/>
+              <a:buChar char="•"/>
+            </a:pPr>
+            <a:r>
+              <a:rPr kumimoji="0" lang="en-US" altLang="en-US" b="0" i="0" u="none" strike="noStrike" cap="none" normalizeH="0" baseline="0" dirty="0">
+                <a:ln>
+                  <a:noFill/>
+                </a:ln>
+                <a:solidFill>
+                  <a:schemeClr val="bg1"/>
+                </a:solidFill>
+                <a:effectLst/>
+                <a:latin typeface="Arial" panose="020B0604020202020204" pitchFamily="34" charset="0"/>
+              </a:rPr>
+              <a:t>Detailed enough to avoid browser guesswork</a:t>
+            </a:r>
+          </a:p>
+          <a:p>
+            <a:pPr lvl="2" eaLnBrk="0" fontAlgn="base" hangingPunct="0">
+              <a:spcBef>
+                <a:spcPct val="0"/>
+              </a:spcBef>
+              <a:spcAft>
+                <a:spcPct val="0"/>
+              </a:spcAft>
+            </a:pPr>
+            <a:endParaRPr kumimoji="0" lang="en-US" altLang="en-US" b="0" i="0" u="none" strike="noStrike" cap="none" normalizeH="0" baseline="0" dirty="0">
+              <a:ln>
+                <a:noFill/>
+              </a:ln>
+              <a:solidFill>
+                <a:schemeClr val="bg1"/>
+              </a:solidFill>
+              <a:effectLst/>
+              <a:latin typeface="Arial" panose="020B0604020202020204" pitchFamily="34" charset="0"/>
+            </a:endParaRPr>
+          </a:p>
+          <a:p>
+            <a:pPr marL="285750" marR="0" lvl="0" indent="-285750" algn="l" defTabSz="914400" rtl="0" eaLnBrk="0" fontAlgn="base" latinLnBrk="0" hangingPunct="0">
+              <a:lnSpc>
+                <a:spcPct val="100000"/>
+              </a:lnSpc>
+              <a:spcBef>
+                <a:spcPct val="0"/>
+              </a:spcBef>
+              <a:spcAft>
+                <a:spcPct val="0"/>
+              </a:spcAft>
+              <a:buClrTx/>
+              <a:buSzTx/>
+              <a:buFont typeface="Arial" panose="020B0604020202020204" pitchFamily="34" charset="0"/>
+              <a:buChar char="•"/>
+              <a:tabLst/>
+            </a:pPr>
+            <a:r>
+              <a:rPr kumimoji="0" lang="en-US" altLang="en-US" sz="1800" b="1" i="0" u="none" strike="noStrike" cap="none" normalizeH="0" baseline="0" dirty="0">
+                <a:ln>
+                  <a:noFill/>
+                </a:ln>
+                <a:solidFill>
+                  <a:schemeClr val="bg1"/>
+                </a:solidFill>
+                <a:effectLst/>
+                <a:latin typeface="Arial" panose="020B0604020202020204" pitchFamily="34" charset="0"/>
+              </a:rPr>
+              <a:t>HTML5 draft</a:t>
+            </a:r>
+            <a:r>
+              <a:rPr kumimoji="0" lang="en-US" altLang="en-US" sz="1800" b="0" i="0" u="none" strike="noStrike" cap="none" normalizeH="0" baseline="0" dirty="0">
+                <a:ln>
+                  <a:noFill/>
+                </a:ln>
+                <a:solidFill>
+                  <a:schemeClr val="bg1"/>
+                </a:solidFill>
+                <a:effectLst/>
+                <a:latin typeface="Arial" panose="020B0604020202020204" pitchFamily="34" charset="0"/>
+              </a:rPr>
+              <a:t> grows—combines </a:t>
+            </a:r>
+            <a:r>
+              <a:rPr kumimoji="0" lang="en-US" altLang="en-US" sz="1800" b="1" i="0" u="none" strike="noStrike" cap="none" normalizeH="0" baseline="0" dirty="0">
+                <a:ln>
+                  <a:noFill/>
+                </a:ln>
+                <a:solidFill>
+                  <a:schemeClr val="bg1"/>
+                </a:solidFill>
+                <a:effectLst/>
+                <a:latin typeface="Arial" panose="020B0604020202020204" pitchFamily="34" charset="0"/>
+              </a:rPr>
+              <a:t>HTML4</a:t>
+            </a:r>
+            <a:r>
+              <a:rPr kumimoji="0" lang="en-US" altLang="en-US" sz="1800" b="0" i="0" u="none" strike="noStrike" cap="none" normalizeH="0" baseline="0" dirty="0">
+                <a:ln>
+                  <a:noFill/>
+                </a:ln>
+                <a:solidFill>
+                  <a:schemeClr val="bg1"/>
+                </a:solidFill>
+                <a:effectLst/>
+                <a:latin typeface="Arial" panose="020B0604020202020204" pitchFamily="34" charset="0"/>
+              </a:rPr>
+              <a:t>, </a:t>
+            </a:r>
+            <a:r>
+              <a:rPr kumimoji="0" lang="en-US" altLang="en-US" sz="1800" b="1" i="0" u="none" strike="noStrike" cap="none" normalizeH="0" baseline="0" dirty="0">
+                <a:ln>
+                  <a:noFill/>
+                </a:ln>
+                <a:solidFill>
+                  <a:schemeClr val="bg1"/>
+                </a:solidFill>
+                <a:effectLst/>
+                <a:latin typeface="Arial" panose="020B0604020202020204" pitchFamily="34" charset="0"/>
+              </a:rPr>
+              <a:t>XHTML1</a:t>
+            </a:r>
+            <a:r>
+              <a:rPr kumimoji="0" lang="en-US" altLang="en-US" sz="1800" b="0" i="0" u="none" strike="noStrike" cap="none" normalizeH="0" baseline="0" dirty="0">
+                <a:ln>
+                  <a:noFill/>
+                </a:ln>
+                <a:solidFill>
+                  <a:schemeClr val="bg1"/>
+                </a:solidFill>
+                <a:effectLst/>
+                <a:latin typeface="Arial" panose="020B0604020202020204" pitchFamily="34" charset="0"/>
+              </a:rPr>
+              <a:t>, and </a:t>
+            </a:r>
+            <a:r>
+              <a:rPr kumimoji="0" lang="en-US" altLang="en-US" sz="1800" b="1" i="0" u="none" strike="noStrike" cap="none" normalizeH="0" baseline="0" dirty="0">
+                <a:ln>
+                  <a:noFill/>
+                </a:ln>
+                <a:solidFill>
+                  <a:schemeClr val="bg1"/>
+                </a:solidFill>
+                <a:effectLst/>
+                <a:latin typeface="Arial" panose="020B0604020202020204" pitchFamily="34" charset="0"/>
+              </a:rPr>
+              <a:t>DOM2 HTML</a:t>
+            </a:r>
+            <a:r>
+              <a:rPr kumimoji="0" lang="en-US" altLang="en-US" sz="1800" b="0" i="0" u="none" strike="noStrike" cap="none" normalizeH="0" baseline="0" dirty="0">
+                <a:ln>
+                  <a:noFill/>
+                </a:ln>
+                <a:solidFill>
+                  <a:schemeClr val="bg1"/>
+                </a:solidFill>
+                <a:effectLst/>
+                <a:latin typeface="Arial" panose="020B0604020202020204" pitchFamily="34" charset="0"/>
+              </a:rPr>
+              <a:t> into one powerful spec.</a:t>
+            </a:r>
+          </a:p>
+          <a:p>
+            <a:pPr marL="285750" marR="0" lvl="0" indent="-285750" algn="l" defTabSz="914400" rtl="0" eaLnBrk="0" fontAlgn="base" latinLnBrk="0" hangingPunct="0">
+              <a:lnSpc>
+                <a:spcPct val="100000"/>
+              </a:lnSpc>
+              <a:spcBef>
+                <a:spcPct val="0"/>
+              </a:spcBef>
+              <a:spcAft>
+                <a:spcPct val="0"/>
+              </a:spcAft>
+              <a:buClrTx/>
+              <a:buSzTx/>
+              <a:buFont typeface="Arial" panose="020B0604020202020204" pitchFamily="34" charset="0"/>
+              <a:buChar char="•"/>
+              <a:tabLst/>
+            </a:pPr>
+            <a:r>
+              <a:rPr kumimoji="0" lang="en-US" altLang="en-US" sz="1800" b="1" i="0" u="none" strike="noStrike" cap="none" normalizeH="0" baseline="0" dirty="0">
+                <a:ln>
+                  <a:noFill/>
+                </a:ln>
+                <a:solidFill>
+                  <a:schemeClr val="bg1"/>
+                </a:solidFill>
+                <a:effectLst/>
+                <a:latin typeface="Arial" panose="020B0604020202020204" pitchFamily="34" charset="0"/>
+              </a:rPr>
+              <a:t>2006</a:t>
+            </a:r>
+            <a:r>
+              <a:rPr kumimoji="0" lang="en-US" altLang="en-US" sz="1800" b="0" i="0" u="none" strike="noStrike" cap="none" normalizeH="0" baseline="0" dirty="0">
+                <a:ln>
+                  <a:noFill/>
+                </a:ln>
+                <a:solidFill>
+                  <a:schemeClr val="bg1"/>
+                </a:solidFill>
+                <a:effectLst/>
+                <a:latin typeface="Arial" panose="020B0604020202020204" pitchFamily="34" charset="0"/>
+              </a:rPr>
+              <a:t>: W3C shows interest again.</a:t>
+            </a:r>
+          </a:p>
+          <a:p>
+            <a:pPr marL="285750" marR="0" lvl="0" indent="-285750" algn="l" defTabSz="914400" rtl="0" eaLnBrk="0" fontAlgn="base" latinLnBrk="0" hangingPunct="0">
+              <a:lnSpc>
+                <a:spcPct val="100000"/>
+              </a:lnSpc>
+              <a:spcBef>
+                <a:spcPct val="0"/>
+              </a:spcBef>
+              <a:spcAft>
+                <a:spcPct val="0"/>
+              </a:spcAft>
+              <a:buClrTx/>
+              <a:buSzTx/>
+              <a:buFont typeface="Arial" panose="020B0604020202020204" pitchFamily="34" charset="0"/>
+              <a:buChar char="•"/>
+              <a:tabLst/>
+            </a:pPr>
+            <a:r>
+              <a:rPr kumimoji="0" lang="en-US" altLang="en-US" sz="1800" b="1" i="0" u="none" strike="noStrike" cap="none" normalizeH="0" baseline="0" dirty="0">
+                <a:ln>
+                  <a:noFill/>
+                </a:ln>
+                <a:solidFill>
+                  <a:schemeClr val="bg1"/>
+                </a:solidFill>
+                <a:effectLst/>
+                <a:latin typeface="Arial" panose="020B0604020202020204" pitchFamily="34" charset="0"/>
+              </a:rPr>
+              <a:t>2007</a:t>
+            </a:r>
+            <a:r>
+              <a:rPr kumimoji="0" lang="en-US" altLang="en-US" sz="1800" b="0" i="0" u="none" strike="noStrike" cap="none" normalizeH="0" baseline="0" dirty="0">
+                <a:ln>
+                  <a:noFill/>
+                </a:ln>
+                <a:solidFill>
+                  <a:schemeClr val="bg1"/>
+                </a:solidFill>
+                <a:effectLst/>
+                <a:latin typeface="Arial" panose="020B0604020202020204" pitchFamily="34" charset="0"/>
+              </a:rPr>
+              <a:t>: W3C and WHATWG start collaborating on HTML5.</a:t>
+            </a:r>
+          </a:p>
+          <a:p>
+            <a:pPr marL="285750" marR="0" lvl="0" indent="-285750" algn="l" defTabSz="914400" rtl="0" eaLnBrk="0" fontAlgn="base" latinLnBrk="0" hangingPunct="0">
+              <a:lnSpc>
+                <a:spcPct val="100000"/>
+              </a:lnSpc>
+              <a:spcBef>
+                <a:spcPct val="0"/>
+              </a:spcBef>
+              <a:spcAft>
+                <a:spcPct val="0"/>
+              </a:spcAft>
+              <a:buClrTx/>
+              <a:buSzTx/>
+              <a:buFont typeface="Arial" panose="020B0604020202020204" pitchFamily="34" charset="0"/>
+              <a:buChar char="•"/>
+              <a:tabLst/>
+            </a:pPr>
+            <a:r>
+              <a:rPr kumimoji="0" lang="en-US" altLang="en-US" sz="1800" b="1" i="0" u="none" strike="noStrike" cap="none" normalizeH="0" baseline="0" dirty="0">
+                <a:ln>
+                  <a:noFill/>
+                </a:ln>
+                <a:solidFill>
+                  <a:schemeClr val="bg1"/>
+                </a:solidFill>
+                <a:effectLst/>
+                <a:latin typeface="Arial" panose="020B0604020202020204" pitchFamily="34" charset="0"/>
+              </a:rPr>
+              <a:t>2011</a:t>
+            </a:r>
+            <a:r>
+              <a:rPr kumimoji="0" lang="en-US" altLang="en-US" sz="1800" b="0" i="0" u="none" strike="noStrike" cap="none" normalizeH="0" baseline="0" dirty="0">
+                <a:ln>
+                  <a:noFill/>
+                </a:ln>
+                <a:solidFill>
+                  <a:schemeClr val="bg1"/>
+                </a:solidFill>
+                <a:effectLst/>
+                <a:latin typeface="Arial" panose="020B0604020202020204" pitchFamily="34" charset="0"/>
+              </a:rPr>
+              <a:t>: Differences resurface:</a:t>
+            </a:r>
+          </a:p>
+          <a:p>
+            <a:pPr marL="1200150" lvl="2" indent="-285750" eaLnBrk="0" fontAlgn="base" hangingPunct="0">
+              <a:spcBef>
+                <a:spcPct val="0"/>
+              </a:spcBef>
+              <a:spcAft>
+                <a:spcPct val="0"/>
+              </a:spcAft>
+              <a:buFont typeface="Arial" panose="020B0604020202020204" pitchFamily="34" charset="0"/>
+              <a:buChar char="•"/>
+            </a:pPr>
+            <a:r>
+              <a:rPr kumimoji="0" lang="en-US" altLang="en-US" b="0" i="0" u="none" strike="noStrike" cap="none" normalizeH="0" baseline="0" dirty="0">
+                <a:ln>
+                  <a:noFill/>
+                </a:ln>
+                <a:solidFill>
+                  <a:schemeClr val="bg1"/>
+                </a:solidFill>
+                <a:effectLst/>
+                <a:latin typeface="Arial" panose="020B0604020202020204" pitchFamily="34" charset="0"/>
+              </a:rPr>
+              <a:t>W3C wants a </a:t>
+            </a:r>
+            <a:r>
+              <a:rPr kumimoji="0" lang="en-US" altLang="en-US" b="1" i="0" u="none" strike="noStrike" cap="none" normalizeH="0" baseline="0" dirty="0">
+                <a:ln>
+                  <a:noFill/>
+                </a:ln>
+                <a:solidFill>
+                  <a:schemeClr val="bg1"/>
+                </a:solidFill>
+                <a:effectLst/>
+                <a:latin typeface="Arial" panose="020B0604020202020204" pitchFamily="34" charset="0"/>
+              </a:rPr>
+              <a:t>finished snapshot</a:t>
+            </a:r>
+            <a:r>
+              <a:rPr kumimoji="0" lang="en-US" altLang="en-US" b="0" i="0" u="none" strike="noStrike" cap="none" normalizeH="0" baseline="0" dirty="0">
+                <a:ln>
+                  <a:noFill/>
+                </a:ln>
+                <a:solidFill>
+                  <a:schemeClr val="bg1"/>
+                </a:solidFill>
+                <a:effectLst/>
+                <a:latin typeface="Arial" panose="020B0604020202020204" pitchFamily="34" charset="0"/>
+              </a:rPr>
+              <a:t> 📘</a:t>
+            </a:r>
+          </a:p>
+          <a:p>
+            <a:pPr marL="1200150" lvl="2" indent="-285750" eaLnBrk="0" fontAlgn="base" hangingPunct="0">
+              <a:spcBef>
+                <a:spcPct val="0"/>
+              </a:spcBef>
+              <a:spcAft>
+                <a:spcPct val="0"/>
+              </a:spcAft>
+              <a:buFont typeface="Arial" panose="020B0604020202020204" pitchFamily="34" charset="0"/>
+              <a:buChar char="•"/>
+            </a:pPr>
+            <a:r>
+              <a:rPr kumimoji="0" lang="en-US" altLang="en-US" b="0" i="0" u="none" strike="noStrike" cap="none" normalizeH="0" baseline="0" dirty="0">
+                <a:ln>
+                  <a:noFill/>
+                </a:ln>
+                <a:solidFill>
+                  <a:schemeClr val="bg1"/>
+                </a:solidFill>
+                <a:effectLst/>
+                <a:latin typeface="Arial" panose="020B0604020202020204" pitchFamily="34" charset="0"/>
+              </a:rPr>
+              <a:t>WHATWG prefers a </a:t>
+            </a:r>
+            <a:r>
+              <a:rPr kumimoji="0" lang="en-US" altLang="en-US" b="1" i="0" u="none" strike="noStrike" cap="none" normalizeH="0" baseline="0" dirty="0">
+                <a:ln>
+                  <a:noFill/>
+                </a:ln>
+                <a:solidFill>
+                  <a:schemeClr val="bg1"/>
+                </a:solidFill>
+                <a:effectLst/>
+                <a:latin typeface="Arial" panose="020B0604020202020204" pitchFamily="34" charset="0"/>
+              </a:rPr>
+              <a:t>Living Standard</a:t>
+            </a:r>
+            <a:r>
+              <a:rPr kumimoji="0" lang="en-US" altLang="en-US" b="0" i="0" u="none" strike="noStrike" cap="none" normalizeH="0" baseline="0" dirty="0">
+                <a:ln>
+                  <a:noFill/>
+                </a:ln>
+                <a:solidFill>
+                  <a:schemeClr val="bg1"/>
+                </a:solidFill>
+                <a:effectLst/>
+                <a:latin typeface="Arial" panose="020B0604020202020204" pitchFamily="34" charset="0"/>
+              </a:rPr>
+              <a:t> 🔄</a:t>
+            </a:r>
+          </a:p>
+          <a:p>
+            <a:pPr marL="285750" marR="0" lvl="0" indent="-285750" algn="l" defTabSz="914400" rtl="0" eaLnBrk="0" fontAlgn="base" latinLnBrk="0" hangingPunct="0">
+              <a:lnSpc>
+                <a:spcPct val="100000"/>
+              </a:lnSpc>
+              <a:spcBef>
+                <a:spcPct val="0"/>
+              </a:spcBef>
+              <a:spcAft>
+                <a:spcPct val="0"/>
+              </a:spcAft>
+              <a:buClrTx/>
+              <a:buSzTx/>
+              <a:buFont typeface="Arial" panose="020B0604020202020204" pitchFamily="34" charset="0"/>
+              <a:buChar char="•"/>
+              <a:tabLst/>
+            </a:pPr>
+            <a:r>
+              <a:rPr kumimoji="0" lang="en-US" altLang="en-US" sz="1800" b="1" i="0" u="none" strike="noStrike" cap="none" normalizeH="0" baseline="0" dirty="0">
+                <a:ln>
+                  <a:noFill/>
+                </a:ln>
+                <a:solidFill>
+                  <a:schemeClr val="bg1"/>
+                </a:solidFill>
+                <a:effectLst/>
+                <a:latin typeface="Arial" panose="020B0604020202020204" pitchFamily="34" charset="0"/>
+              </a:rPr>
+              <a:t>2019</a:t>
+            </a:r>
+            <a:r>
+              <a:rPr kumimoji="0" lang="en-US" altLang="en-US" sz="1800" b="0" i="0" u="none" strike="noStrike" cap="none" normalizeH="0" baseline="0" dirty="0">
+                <a:ln>
+                  <a:noFill/>
+                </a:ln>
+                <a:solidFill>
+                  <a:schemeClr val="bg1"/>
+                </a:solidFill>
+                <a:effectLst/>
+                <a:latin typeface="Arial" panose="020B0604020202020204" pitchFamily="34" charset="0"/>
+              </a:rPr>
+              <a:t>: ✨ Happy ending—WHATWG and W3C agree to work together on </a:t>
+            </a:r>
+            <a:r>
+              <a:rPr kumimoji="0" lang="en-US" altLang="en-US" sz="1800" b="1" i="0" u="none" strike="noStrike" cap="none" normalizeH="0" baseline="0" dirty="0">
+                <a:ln>
+                  <a:noFill/>
+                </a:ln>
+                <a:solidFill>
+                  <a:schemeClr val="bg1"/>
+                </a:solidFill>
+                <a:effectLst/>
+                <a:latin typeface="Arial" panose="020B0604020202020204" pitchFamily="34" charset="0"/>
+              </a:rPr>
+              <a:t>a single, unified HTML standard</a:t>
+            </a:r>
+            <a:r>
+              <a:rPr kumimoji="0" lang="en-US" altLang="en-US" sz="1800" b="0" i="0" u="none" strike="noStrike" cap="none" normalizeH="0" baseline="0" dirty="0">
+                <a:ln>
+                  <a:noFill/>
+                </a:ln>
+                <a:solidFill>
+                  <a:schemeClr val="bg1"/>
+                </a:solidFill>
+                <a:effectLst/>
+                <a:latin typeface="Arial" panose="020B0604020202020204" pitchFamily="34" charset="0"/>
+              </a:rPr>
+              <a:t>.</a:t>
+            </a:r>
+          </a:p>
+        </p:txBody>
+      </p:sp>
     </p:spTree>
     <p:extLst>
       <p:ext uri="{BB962C8B-B14F-4D97-AF65-F5344CB8AC3E}">

--- a/Fullstack ppt.pptx
+++ b/Fullstack ppt.pptx
@@ -270,7 +270,7 @@
           <a:p>
             <a:fld id="{071CA044-F6E2-42F3-8DC3-D09589A17459}" type="datetimeFigureOut">
               <a:rPr lang="en-IN" smtClean="0"/>
-              <a:t>19-04-2025</a:t>
+              <a:t>14-06-2025</a:t>
             </a:fld>
             <a:endParaRPr lang="en-IN"/>
           </a:p>
@@ -470,7 +470,7 @@
           <a:p>
             <a:fld id="{071CA044-F6E2-42F3-8DC3-D09589A17459}" type="datetimeFigureOut">
               <a:rPr lang="en-IN" smtClean="0"/>
-              <a:t>19-04-2025</a:t>
+              <a:t>14-06-2025</a:t>
             </a:fld>
             <a:endParaRPr lang="en-IN"/>
           </a:p>
@@ -680,7 +680,7 @@
           <a:p>
             <a:fld id="{071CA044-F6E2-42F3-8DC3-D09589A17459}" type="datetimeFigureOut">
               <a:rPr lang="en-IN" smtClean="0"/>
-              <a:t>19-04-2025</a:t>
+              <a:t>14-06-2025</a:t>
             </a:fld>
             <a:endParaRPr lang="en-IN"/>
           </a:p>
@@ -880,7 +880,7 @@
           <a:p>
             <a:fld id="{071CA044-F6E2-42F3-8DC3-D09589A17459}" type="datetimeFigureOut">
               <a:rPr lang="en-IN" smtClean="0"/>
-              <a:t>19-04-2025</a:t>
+              <a:t>14-06-2025</a:t>
             </a:fld>
             <a:endParaRPr lang="en-IN"/>
           </a:p>
@@ -1156,7 +1156,7 @@
           <a:p>
             <a:fld id="{071CA044-F6E2-42F3-8DC3-D09589A17459}" type="datetimeFigureOut">
               <a:rPr lang="en-IN" smtClean="0"/>
-              <a:t>19-04-2025</a:t>
+              <a:t>14-06-2025</a:t>
             </a:fld>
             <a:endParaRPr lang="en-IN"/>
           </a:p>
@@ -1424,7 +1424,7 @@
           <a:p>
             <a:fld id="{071CA044-F6E2-42F3-8DC3-D09589A17459}" type="datetimeFigureOut">
               <a:rPr lang="en-IN" smtClean="0"/>
-              <a:t>19-04-2025</a:t>
+              <a:t>14-06-2025</a:t>
             </a:fld>
             <a:endParaRPr lang="en-IN"/>
           </a:p>
@@ -1839,7 +1839,7 @@
           <a:p>
             <a:fld id="{071CA044-F6E2-42F3-8DC3-D09589A17459}" type="datetimeFigureOut">
               <a:rPr lang="en-IN" smtClean="0"/>
-              <a:t>19-04-2025</a:t>
+              <a:t>14-06-2025</a:t>
             </a:fld>
             <a:endParaRPr lang="en-IN"/>
           </a:p>
@@ -1981,7 +1981,7 @@
           <a:p>
             <a:fld id="{071CA044-F6E2-42F3-8DC3-D09589A17459}" type="datetimeFigureOut">
               <a:rPr lang="en-IN" smtClean="0"/>
-              <a:t>19-04-2025</a:t>
+              <a:t>14-06-2025</a:t>
             </a:fld>
             <a:endParaRPr lang="en-IN"/>
           </a:p>
@@ -2094,7 +2094,7 @@
           <a:p>
             <a:fld id="{071CA044-F6E2-42F3-8DC3-D09589A17459}" type="datetimeFigureOut">
               <a:rPr lang="en-IN" smtClean="0"/>
-              <a:t>19-04-2025</a:t>
+              <a:t>14-06-2025</a:t>
             </a:fld>
             <a:endParaRPr lang="en-IN"/>
           </a:p>
@@ -2407,7 +2407,7 @@
           <a:p>
             <a:fld id="{071CA044-F6E2-42F3-8DC3-D09589A17459}" type="datetimeFigureOut">
               <a:rPr lang="en-IN" smtClean="0"/>
-              <a:t>19-04-2025</a:t>
+              <a:t>14-06-2025</a:t>
             </a:fld>
             <a:endParaRPr lang="en-IN"/>
           </a:p>
@@ -2696,7 +2696,7 @@
           <a:p>
             <a:fld id="{071CA044-F6E2-42F3-8DC3-D09589A17459}" type="datetimeFigureOut">
               <a:rPr lang="en-IN" smtClean="0"/>
-              <a:t>19-04-2025</a:t>
+              <a:t>14-06-2025</a:t>
             </a:fld>
             <a:endParaRPr lang="en-IN"/>
           </a:p>
@@ -2942,7 +2942,7 @@
           <a:p>
             <a:fld id="{071CA044-F6E2-42F3-8DC3-D09589A17459}" type="datetimeFigureOut">
               <a:rPr lang="en-IN" smtClean="0"/>
-              <a:t>19-04-2025</a:t>
+              <a:t>14-06-2025</a:t>
             </a:fld>
             <a:endParaRPr lang="en-IN"/>
           </a:p>
@@ -4000,6 +4000,88 @@
           <a:chExt cx="0" cy="0"/>
         </a:xfrm>
       </p:grpSpPr>
+      <p:sp>
+        <p:nvSpPr>
+          <p:cNvPr id="2" name="object 4">
+            <a:extLst>
+              <a:ext uri="{FF2B5EF4-FFF2-40B4-BE49-F238E27FC236}">
+                <a16:creationId xmlns:a16="http://schemas.microsoft.com/office/drawing/2014/main" id="{20C115AF-2624-8315-5FB2-897B6696CD65}"/>
+              </a:ext>
+            </a:extLst>
+          </p:cNvPr>
+          <p:cNvSpPr txBox="1">
+            <a:spLocks/>
+          </p:cNvSpPr>
+          <p:nvPr/>
+        </p:nvSpPr>
+        <p:spPr>
+          <a:xfrm>
+            <a:off x="5987751" y="975026"/>
+            <a:ext cx="5186218" cy="1676665"/>
+          </a:xfrm>
+          <a:prstGeom prst="rect">
+            <a:avLst/>
+          </a:prstGeom>
+        </p:spPr>
+        <p:txBody>
+          <a:bodyPr vert="horz" wrap="square" lIns="0" tIns="14530" rIns="0" bIns="0" rtlCol="0">
+            <a:spAutoFit/>
+          </a:bodyPr>
+          <a:lstStyle>
+            <a:lvl1pPr algn="l" defTabSz="914400" rtl="0" eaLnBrk="1" latinLnBrk="0" hangingPunct="1">
+              <a:lnSpc>
+                <a:spcPct val="90000"/>
+              </a:lnSpc>
+              <a:spcBef>
+                <a:spcPct val="0"/>
+              </a:spcBef>
+              <a:buNone/>
+              <a:defRPr sz="4400" kern="1200">
+                <a:solidFill>
+                  <a:schemeClr val="tx1"/>
+                </a:solidFill>
+                <a:latin typeface="+mj-lt"/>
+                <a:ea typeface="+mj-ea"/>
+                <a:cs typeface="+mj-cs"/>
+              </a:defRPr>
+            </a:lvl1pPr>
+          </a:lstStyle>
+          <a:p>
+            <a:pPr marL="13209">
+              <a:spcBef>
+                <a:spcPts val="114"/>
+              </a:spcBef>
+            </a:pPr>
+            <a:r>
+              <a:rPr lang="en-IN" sz="9600" spc="-10" dirty="0">
+                <a:solidFill>
+                  <a:schemeClr val="bg1"/>
+                </a:solidFill>
+                <a:latin typeface="Minion Pro"/>
+                <a:cs typeface="Minion Pro"/>
+              </a:rPr>
+              <a:t>Internet</a:t>
+            </a:r>
+            <a:r>
+              <a:rPr lang="en-IN" sz="12000" spc="-10" dirty="0">
+                <a:solidFill>
+                  <a:schemeClr val="bg1"/>
+                </a:solidFill>
+                <a:latin typeface="Consolas"/>
+                <a:cs typeface="Consolas"/>
+              </a:rPr>
+              <a:t>?</a:t>
+            </a:r>
+            <a:endParaRPr lang="en-IN" sz="12000" dirty="0">
+              <a:solidFill>
+                <a:schemeClr val="bg1"/>
+              </a:solidFill>
+              <a:latin typeface="Consolas"/>
+              <a:cs typeface="Consolas"/>
+            </a:endParaRPr>
+          </a:p>
+        </p:txBody>
+      </p:sp>
     </p:spTree>
     <p:extLst>
       <p:ext uri="{BB962C8B-B14F-4D97-AF65-F5344CB8AC3E}">
